--- a/DreamLibrary.pptx
+++ b/DreamLibrary.pptx
@@ -8,6 +8,11 @@
     <p:sldId id="256" r:id="rId2"/>
     <p:sldId id="257" r:id="rId3"/>
     <p:sldId id="258" r:id="rId4"/>
+    <p:sldId id="259" r:id="rId5"/>
+    <p:sldId id="260" r:id="rId6"/>
+    <p:sldId id="261" r:id="rId7"/>
+    <p:sldId id="262" r:id="rId8"/>
+    <p:sldId id="263" r:id="rId9"/>
   </p:sldIdLst>
   <p:sldSz cx="9144000" cy="6858000" type="screen4x3"/>
   <p:notesSz cx="6858000" cy="9144000"/>
@@ -291,7 +296,7 @@
             <a:fld id="{28F9F1D4-91D0-4D4A-96E3-53DEB2DD66C2}" type="datetimeFigureOut">
               <a:rPr lang="ko-KR" altLang="en-US" smtClean="0"/>
               <a:pPr/>
-              <a:t>2018-07-12</a:t>
+              <a:t>2018-07-14</a:t>
             </a:fld>
             <a:endParaRPr lang="ko-KR" altLang="en-US"/>
           </a:p>
@@ -458,7 +463,7 @@
             <a:fld id="{28F9F1D4-91D0-4D4A-96E3-53DEB2DD66C2}" type="datetimeFigureOut">
               <a:rPr lang="ko-KR" altLang="en-US" smtClean="0"/>
               <a:pPr/>
-              <a:t>2018-07-12</a:t>
+              <a:t>2018-07-14</a:t>
             </a:fld>
             <a:endParaRPr lang="ko-KR" altLang="en-US"/>
           </a:p>
@@ -635,7 +640,7 @@
             <a:fld id="{28F9F1D4-91D0-4D4A-96E3-53DEB2DD66C2}" type="datetimeFigureOut">
               <a:rPr lang="ko-KR" altLang="en-US" smtClean="0"/>
               <a:pPr/>
-              <a:t>2018-07-12</a:t>
+              <a:t>2018-07-14</a:t>
             </a:fld>
             <a:endParaRPr lang="ko-KR" altLang="en-US"/>
           </a:p>
@@ -802,7 +807,7 @@
             <a:fld id="{28F9F1D4-91D0-4D4A-96E3-53DEB2DD66C2}" type="datetimeFigureOut">
               <a:rPr lang="ko-KR" altLang="en-US" smtClean="0"/>
               <a:pPr/>
-              <a:t>2018-07-12</a:t>
+              <a:t>2018-07-14</a:t>
             </a:fld>
             <a:endParaRPr lang="ko-KR" altLang="en-US"/>
           </a:p>
@@ -1045,7 +1050,7 @@
             <a:fld id="{28F9F1D4-91D0-4D4A-96E3-53DEB2DD66C2}" type="datetimeFigureOut">
               <a:rPr lang="ko-KR" altLang="en-US" smtClean="0"/>
               <a:pPr/>
-              <a:t>2018-07-12</a:t>
+              <a:t>2018-07-14</a:t>
             </a:fld>
             <a:endParaRPr lang="ko-KR" altLang="en-US"/>
           </a:p>
@@ -1330,7 +1335,7 @@
             <a:fld id="{28F9F1D4-91D0-4D4A-96E3-53DEB2DD66C2}" type="datetimeFigureOut">
               <a:rPr lang="ko-KR" altLang="en-US" smtClean="0"/>
               <a:pPr/>
-              <a:t>2018-07-12</a:t>
+              <a:t>2018-07-14</a:t>
             </a:fld>
             <a:endParaRPr lang="ko-KR" altLang="en-US"/>
           </a:p>
@@ -1749,7 +1754,7 @@
             <a:fld id="{28F9F1D4-91D0-4D4A-96E3-53DEB2DD66C2}" type="datetimeFigureOut">
               <a:rPr lang="ko-KR" altLang="en-US" smtClean="0"/>
               <a:pPr/>
-              <a:t>2018-07-12</a:t>
+              <a:t>2018-07-14</a:t>
             </a:fld>
             <a:endParaRPr lang="ko-KR" altLang="en-US"/>
           </a:p>
@@ -1864,7 +1869,7 @@
             <a:fld id="{28F9F1D4-91D0-4D4A-96E3-53DEB2DD66C2}" type="datetimeFigureOut">
               <a:rPr lang="ko-KR" altLang="en-US" smtClean="0"/>
               <a:pPr/>
-              <a:t>2018-07-12</a:t>
+              <a:t>2018-07-14</a:t>
             </a:fld>
             <a:endParaRPr lang="ko-KR" altLang="en-US"/>
           </a:p>
@@ -1956,7 +1961,7 @@
             <a:fld id="{28F9F1D4-91D0-4D4A-96E3-53DEB2DD66C2}" type="datetimeFigureOut">
               <a:rPr lang="ko-KR" altLang="en-US" smtClean="0"/>
               <a:pPr/>
-              <a:t>2018-07-12</a:t>
+              <a:t>2018-07-14</a:t>
             </a:fld>
             <a:endParaRPr lang="ko-KR" altLang="en-US"/>
           </a:p>
@@ -2230,7 +2235,7 @@
             <a:fld id="{28F9F1D4-91D0-4D4A-96E3-53DEB2DD66C2}" type="datetimeFigureOut">
               <a:rPr lang="ko-KR" altLang="en-US" smtClean="0"/>
               <a:pPr/>
-              <a:t>2018-07-12</a:t>
+              <a:t>2018-07-14</a:t>
             </a:fld>
             <a:endParaRPr lang="ko-KR" altLang="en-US"/>
           </a:p>
@@ -2480,7 +2485,7 @@
             <a:fld id="{28F9F1D4-91D0-4D4A-96E3-53DEB2DD66C2}" type="datetimeFigureOut">
               <a:rPr lang="ko-KR" altLang="en-US" smtClean="0"/>
               <a:pPr/>
-              <a:t>2018-07-12</a:t>
+              <a:t>2018-07-14</a:t>
             </a:fld>
             <a:endParaRPr lang="ko-KR" altLang="en-US"/>
           </a:p>
@@ -2690,7 +2695,7 @@
             <a:fld id="{28F9F1D4-91D0-4D4A-96E3-53DEB2DD66C2}" type="datetimeFigureOut">
               <a:rPr lang="ko-KR" altLang="en-US" smtClean="0"/>
               <a:pPr/>
-              <a:t>2018-07-12</a:t>
+              <a:t>2018-07-14</a:t>
             </a:fld>
             <a:endParaRPr lang="ko-KR" altLang="en-US"/>
           </a:p>
@@ -3063,16 +3068,16 @@
       </p:grpSpPr>
       <p:grpSp>
         <p:nvGrpSpPr>
-          <p:cNvPr id="70" name="그룹 69"/>
+          <p:cNvPr id="27" name="그룹 26"/>
           <p:cNvGrpSpPr/>
           <p:nvPr/>
         </p:nvGrpSpPr>
         <p:grpSpPr>
           <a:xfrm>
-            <a:off x="1000100" y="642918"/>
-            <a:ext cx="7000924" cy="5143536"/>
-            <a:chOff x="928662" y="285728"/>
-            <a:chExt cx="7000924" cy="5143536"/>
+            <a:off x="1142976" y="428604"/>
+            <a:ext cx="6858048" cy="5357850"/>
+            <a:chOff x="1142976" y="428604"/>
+            <a:chExt cx="6858048" cy="5357850"/>
           </a:xfrm>
         </p:grpSpPr>
         <p:sp>
@@ -3083,7 +3088,7 @@
           </p:nvSpPr>
           <p:spPr>
             <a:xfrm>
-              <a:off x="1428728" y="785794"/>
+              <a:off x="1500166" y="1142984"/>
               <a:ext cx="6215106" cy="2714644"/>
             </a:xfrm>
             <a:prstGeom prst="rect">
@@ -3124,20 +3129,35 @@
           </p:nvSpPr>
           <p:spPr>
             <a:xfrm>
-              <a:off x="928662" y="285728"/>
+              <a:off x="1142976" y="428604"/>
               <a:ext cx="1500198" cy="369332"/>
             </a:xfrm>
             <a:prstGeom prst="rect">
               <a:avLst/>
             </a:prstGeom>
-            <a:noFill/>
+            <a:ln/>
           </p:spPr>
+          <p:style>
+            <a:lnRef idx="1">
+              <a:schemeClr val="accent1"/>
+            </a:lnRef>
+            <a:fillRef idx="2">
+              <a:schemeClr val="accent1"/>
+            </a:fillRef>
+            <a:effectRef idx="1">
+              <a:schemeClr val="accent1"/>
+            </a:effectRef>
+            <a:fontRef idx="minor">
+              <a:schemeClr val="dk1"/>
+            </a:fontRef>
+          </p:style>
           <p:txBody>
             <a:bodyPr wrap="square" rtlCol="0">
               <a:spAutoFit/>
             </a:bodyPr>
             <a:lstStyle/>
             <a:p>
+              <a:pPr algn="ctr"/>
               <a:r>
                 <a:rPr lang="en-US" altLang="ko-KR" dirty="0" smtClean="0"/>
                 <a:t>Index page</a:t>
@@ -3154,7 +3174,7 @@
           </p:nvSpPr>
           <p:spPr>
             <a:xfrm>
-              <a:off x="5786446" y="937423"/>
+              <a:off x="5857884" y="1294613"/>
               <a:ext cx="785818" cy="276999"/>
             </a:xfrm>
             <a:prstGeom prst="rect">
@@ -3190,7 +3210,7 @@
           </p:nvSpPr>
           <p:spPr>
             <a:xfrm>
-              <a:off x="6643702" y="937423"/>
+              <a:off x="6715140" y="1294613"/>
               <a:ext cx="857256" cy="276999"/>
             </a:xfrm>
             <a:prstGeom prst="rect">
@@ -3230,7 +3250,7 @@
           </p:nvSpPr>
           <p:spPr>
             <a:xfrm>
-              <a:off x="1928794" y="2214554"/>
+              <a:off x="2000232" y="2571744"/>
               <a:ext cx="1000132" cy="1015663"/>
             </a:xfrm>
             <a:prstGeom prst="rect">
@@ -3282,7 +3302,7 @@
           </p:nvSpPr>
           <p:spPr>
             <a:xfrm>
-              <a:off x="3357554" y="2199023"/>
+              <a:off x="3428992" y="2556213"/>
               <a:ext cx="1000132" cy="1015663"/>
             </a:xfrm>
             <a:prstGeom prst="rect">
@@ -3334,7 +3354,7 @@
           </p:nvSpPr>
           <p:spPr>
             <a:xfrm>
-              <a:off x="4786314" y="2171692"/>
+              <a:off x="4857752" y="2528882"/>
               <a:ext cx="1000132" cy="1015663"/>
             </a:xfrm>
             <a:prstGeom prst="rect">
@@ -3386,7 +3406,7 @@
           </p:nvSpPr>
           <p:spPr>
             <a:xfrm>
-              <a:off x="6215074" y="2143116"/>
+              <a:off x="6286512" y="2500306"/>
               <a:ext cx="1000132" cy="1015663"/>
             </a:xfrm>
             <a:prstGeom prst="rect">
@@ -3440,7 +3460,7 @@
           </p:nvCxnSpPr>
           <p:spPr>
             <a:xfrm rot="16200000" flipV="1">
-              <a:off x="5907087" y="665154"/>
+              <a:off x="5978525" y="1022344"/>
               <a:ext cx="437381" cy="107157"/>
             </a:xfrm>
             <a:prstGeom prst="straightConnector1">
@@ -3476,7 +3496,7 @@
           </p:nvSpPr>
           <p:spPr>
             <a:xfrm>
-              <a:off x="5643570" y="285728"/>
+              <a:off x="5715008" y="642918"/>
               <a:ext cx="928694" cy="276999"/>
             </a:xfrm>
             <a:prstGeom prst="rect">
@@ -3506,7 +3526,7 @@
           </p:nvCxnSpPr>
           <p:spPr>
             <a:xfrm rot="5400000" flipH="1" flipV="1">
-              <a:off x="6907218" y="629436"/>
+              <a:off x="6978656" y="986626"/>
               <a:ext cx="437382" cy="178594"/>
             </a:xfrm>
             <a:prstGeom prst="straightConnector1">
@@ -3542,7 +3562,7 @@
           </p:nvSpPr>
           <p:spPr>
             <a:xfrm>
-              <a:off x="6858016" y="285728"/>
+              <a:off x="6929454" y="642918"/>
               <a:ext cx="928694" cy="276999"/>
             </a:xfrm>
             <a:prstGeom prst="rect">
@@ -3574,7 +3594,7 @@
           </p:nvCxnSpPr>
           <p:spPr>
             <a:xfrm rot="5400000">
-              <a:off x="1875216" y="3518298"/>
+              <a:off x="1946654" y="3875488"/>
               <a:ext cx="857256" cy="250033"/>
             </a:xfrm>
             <a:prstGeom prst="bentConnector3">
@@ -3612,7 +3632,7 @@
           </p:nvSpPr>
           <p:spPr>
             <a:xfrm>
-              <a:off x="1571604" y="4071942"/>
+              <a:off x="1643042" y="4429132"/>
               <a:ext cx="1214446" cy="276999"/>
             </a:xfrm>
             <a:prstGeom prst="rect">
@@ -3642,7 +3662,7 @@
           </p:nvSpPr>
           <p:spPr>
             <a:xfrm>
-              <a:off x="1428728" y="4580761"/>
+              <a:off x="1500166" y="4937951"/>
               <a:ext cx="1500198" cy="276999"/>
             </a:xfrm>
             <a:prstGeom prst="rect">
@@ -3672,7 +3692,7 @@
           </p:nvSpPr>
           <p:spPr>
             <a:xfrm>
-              <a:off x="1428728" y="5152265"/>
+              <a:off x="1500166" y="5509455"/>
               <a:ext cx="1500198" cy="276999"/>
             </a:xfrm>
             <a:prstGeom prst="rect">
@@ -3705,7 +3725,7 @@
           </p:nvCxnSpPr>
           <p:spPr>
             <a:xfrm rot="5400000">
-              <a:off x="2062917" y="4464851"/>
+              <a:off x="2134355" y="4822041"/>
               <a:ext cx="231820" cy="1588"/>
             </a:xfrm>
             <a:prstGeom prst="straightConnector1">
@@ -3741,7 +3761,7 @@
           </p:nvCxnSpPr>
           <p:spPr>
             <a:xfrm rot="5400000">
-              <a:off x="2083554" y="5026808"/>
+              <a:off x="2154992" y="5383998"/>
               <a:ext cx="231820" cy="1588"/>
             </a:xfrm>
             <a:prstGeom prst="straightConnector1">
@@ -3779,7 +3799,7 @@
           </p:nvCxnSpPr>
           <p:spPr>
             <a:xfrm rot="5400000">
-              <a:off x="3464710" y="3607596"/>
+              <a:off x="3536148" y="3964786"/>
               <a:ext cx="785820" cy="1588"/>
             </a:xfrm>
             <a:prstGeom prst="straightConnector1">
@@ -3815,7 +3835,7 @@
           </p:nvSpPr>
           <p:spPr>
             <a:xfrm>
-              <a:off x="3214678" y="4071942"/>
+              <a:off x="3286116" y="4429132"/>
               <a:ext cx="1285884" cy="276999"/>
             </a:xfrm>
             <a:prstGeom prst="rect">
@@ -3845,7 +3865,7 @@
           </p:nvCxnSpPr>
           <p:spPr>
             <a:xfrm rot="5400000">
-              <a:off x="4892676" y="3563940"/>
+              <a:off x="4964114" y="3921130"/>
               <a:ext cx="785820" cy="1588"/>
             </a:xfrm>
             <a:prstGeom prst="straightConnector1">
@@ -3881,7 +3901,7 @@
           </p:nvSpPr>
           <p:spPr>
             <a:xfrm>
-              <a:off x="4572000" y="4080695"/>
+              <a:off x="4643438" y="4437885"/>
               <a:ext cx="1643074" cy="276999"/>
             </a:xfrm>
             <a:prstGeom prst="rect">
@@ -3911,7 +3931,7 @@
           </p:nvSpPr>
           <p:spPr>
             <a:xfrm>
-              <a:off x="6357950" y="4071942"/>
+              <a:off x="6429388" y="4429132"/>
               <a:ext cx="1571636" cy="276999"/>
             </a:xfrm>
             <a:prstGeom prst="rect">
@@ -3944,7 +3964,7 @@
           </p:nvCxnSpPr>
           <p:spPr>
             <a:xfrm rot="16200000" flipH="1">
-              <a:off x="6472873" y="3401046"/>
+              <a:off x="6544311" y="3758236"/>
               <a:ext cx="913163" cy="428628"/>
             </a:xfrm>
             <a:prstGeom prst="bentConnector3">
@@ -4008,14 +4028,27 @@
         </p:nvSpPr>
         <p:spPr>
           <a:xfrm>
-            <a:off x="3571868" y="375802"/>
-            <a:ext cx="1714512" cy="338554"/>
+            <a:off x="3500430" y="447240"/>
+            <a:ext cx="1785950" cy="338554"/>
           </a:xfrm>
           <a:prstGeom prst="rect">
             <a:avLst/>
           </a:prstGeom>
-          <a:noFill/>
         </p:spPr>
+        <p:style>
+          <a:lnRef idx="1">
+            <a:schemeClr val="accent1"/>
+          </a:lnRef>
+          <a:fillRef idx="2">
+            <a:schemeClr val="accent1"/>
+          </a:fillRef>
+          <a:effectRef idx="1">
+            <a:schemeClr val="accent1"/>
+          </a:effectRef>
+          <a:fontRef idx="minor">
+            <a:schemeClr val="dk1"/>
+          </a:fontRef>
+        </p:style>
         <p:txBody>
           <a:bodyPr wrap="square" rtlCol="0">
             <a:spAutoFit/>
@@ -4809,8 +4842,21 @@
           <a:prstGeom prst="rect">
             <a:avLst/>
           </a:prstGeom>
-          <a:noFill/>
         </p:spPr>
+        <p:style>
+          <a:lnRef idx="1">
+            <a:schemeClr val="accent1"/>
+          </a:lnRef>
+          <a:fillRef idx="2">
+            <a:schemeClr val="accent1"/>
+          </a:fillRef>
+          <a:effectRef idx="1">
+            <a:schemeClr val="accent1"/>
+          </a:effectRef>
+          <a:fontRef idx="minor">
+            <a:schemeClr val="dk1"/>
+          </a:fontRef>
+        </p:style>
         <p:txBody>
           <a:bodyPr wrap="square" rtlCol="0">
             <a:spAutoFit/>
@@ -5428,6 +5474,3667 @@
                     </a:p>
                   </a:txBody>
                   <a:tcPr/>
+                </a:tc>
+              </a:tr>
+            </a:tbl>
+          </a:graphicData>
+        </a:graphic>
+      </p:graphicFrame>
+    </p:spTree>
+  </p:cSld>
+  <p:clrMapOvr>
+    <a:masterClrMapping/>
+  </p:clrMapOvr>
+</p:sld>
+</file>
+
+<file path=ppt/slides/slide4.xml><?xml version="1.0" encoding="utf-8"?>
+<p:sld xmlns:a="http://schemas.openxmlformats.org/drawingml/2006/main" xmlns:r="http://schemas.openxmlformats.org/officeDocument/2006/relationships" xmlns:p="http://schemas.openxmlformats.org/presentationml/2006/main">
+  <p:cSld>
+    <p:spTree>
+      <p:nvGrpSpPr>
+        <p:cNvPr id="1" name=""/>
+        <p:cNvGrpSpPr/>
+        <p:nvPr/>
+      </p:nvGrpSpPr>
+      <p:grpSpPr>
+        <a:xfrm>
+          <a:off x="0" y="0"/>
+          <a:ext cx="0" cy="0"/>
+          <a:chOff x="0" y="0"/>
+          <a:chExt cx="0" cy="0"/>
+        </a:xfrm>
+      </p:grpSpPr>
+      <p:graphicFrame>
+        <p:nvGraphicFramePr>
+          <p:cNvPr id="4" name="표 3"/>
+          <p:cNvGraphicFramePr>
+            <a:graphicFrameLocks noGrp="1"/>
+          </p:cNvGraphicFramePr>
+          <p:nvPr/>
+        </p:nvGraphicFramePr>
+        <p:xfrm>
+          <a:off x="285720" y="1071546"/>
+          <a:ext cx="2786082" cy="4630486"/>
+        </p:xfrm>
+        <a:graphic>
+          <a:graphicData uri="http://schemas.openxmlformats.org/drawingml/2006/table">
+            <a:tbl>
+              <a:tblPr/>
+              <a:tblGrid>
+                <a:gridCol w="2786082"/>
+              </a:tblGrid>
+              <a:tr h="298742">
+                <a:tc>
+                  <a:txBody>
+                    <a:bodyPr/>
+                    <a:lstStyle/>
+                    <a:p>
+                      <a:endParaRPr lang="ko-KR" altLang="en-US" sz="1400" dirty="0"/>
+                    </a:p>
+                  </a:txBody>
+                  <a:tcPr marL="61576" marR="61576" marT="30788" marB="30788" anchor="ctr">
+                    <a:lnL>
+                      <a:noFill/>
+                    </a:lnL>
+                    <a:lnR>
+                      <a:noFill/>
+                    </a:lnR>
+                    <a:lnT>
+                      <a:noFill/>
+                    </a:lnT>
+                    <a:lnB>
+                      <a:noFill/>
+                    </a:lnB>
+                  </a:tcPr>
+                </a:tc>
+              </a:tr>
+              <a:tr h="298742">
+                <a:tc>
+                  <a:txBody>
+                    <a:bodyPr/>
+                    <a:lstStyle/>
+                    <a:p>
+                      <a:r>
+                        <a:rPr lang="en-US" sz="1400" dirty="0"/>
+                        <a:t>CREATE TABLE `</a:t>
+                      </a:r>
+                      <a:r>
+                        <a:rPr lang="en-US" sz="1400" dirty="0" err="1"/>
+                        <a:t>user_tbl</a:t>
+                      </a:r>
+                      <a:r>
+                        <a:rPr lang="en-US" sz="1400" dirty="0"/>
+                        <a:t>` (</a:t>
+                      </a:r>
+                    </a:p>
+                  </a:txBody>
+                  <a:tcPr marL="61576" marR="61576" marT="30788" marB="30788" anchor="ctr">
+                    <a:lnL>
+                      <a:noFill/>
+                    </a:lnL>
+                    <a:lnR>
+                      <a:noFill/>
+                    </a:lnR>
+                    <a:lnT>
+                      <a:noFill/>
+                    </a:lnT>
+                    <a:lnB>
+                      <a:noFill/>
+                    </a:lnB>
+                  </a:tcPr>
+                </a:tc>
+              </a:tr>
+              <a:tr h="522796">
+                <a:tc>
+                  <a:txBody>
+                    <a:bodyPr/>
+                    <a:lstStyle/>
+                    <a:p>
+                      <a:r>
+                        <a:rPr lang="en-US" sz="1400" dirty="0" err="1"/>
+                        <a:t>user_id</a:t>
+                      </a:r>
+                      <a:r>
+                        <a:rPr lang="en-US" sz="1400" dirty="0"/>
+                        <a:t> </a:t>
+                      </a:r>
+                      <a:r>
+                        <a:rPr lang="en-US" sz="1400" dirty="0" err="1"/>
+                        <a:t>varchar</a:t>
+                      </a:r>
+                      <a:r>
+                        <a:rPr lang="en-US" sz="1400" dirty="0"/>
+                        <a:t>(10) NOT NULL,</a:t>
+                      </a:r>
+                    </a:p>
+                  </a:txBody>
+                  <a:tcPr marL="61576" marR="61576" marT="30788" marB="30788" anchor="ctr">
+                    <a:lnL>
+                      <a:noFill/>
+                    </a:lnL>
+                    <a:lnR>
+                      <a:noFill/>
+                    </a:lnR>
+                    <a:lnT>
+                      <a:noFill/>
+                    </a:lnT>
+                    <a:lnB>
+                      <a:noFill/>
+                    </a:lnB>
+                  </a:tcPr>
+                </a:tc>
+              </a:tr>
+              <a:tr h="522796">
+                <a:tc>
+                  <a:txBody>
+                    <a:bodyPr/>
+                    <a:lstStyle/>
+                    <a:p>
+                      <a:r>
+                        <a:rPr lang="en-US" sz="1400" dirty="0" err="1"/>
+                        <a:t>user_pwd</a:t>
+                      </a:r>
+                      <a:r>
+                        <a:rPr lang="en-US" sz="1400" dirty="0"/>
+                        <a:t> </a:t>
+                      </a:r>
+                      <a:r>
+                        <a:rPr lang="en-US" sz="1400" dirty="0" err="1"/>
+                        <a:t>varchar</a:t>
+                      </a:r>
+                      <a:r>
+                        <a:rPr lang="en-US" sz="1400" dirty="0"/>
+                        <a:t>(10) NOT NULL,</a:t>
+                      </a:r>
+                    </a:p>
+                  </a:txBody>
+                  <a:tcPr marL="61576" marR="61576" marT="30788" marB="30788" anchor="ctr">
+                    <a:lnL>
+                      <a:noFill/>
+                    </a:lnL>
+                    <a:lnR>
+                      <a:noFill/>
+                    </a:lnR>
+                    <a:lnT>
+                      <a:noFill/>
+                    </a:lnT>
+                    <a:lnB>
+                      <a:noFill/>
+                    </a:lnB>
+                  </a:tcPr>
+                </a:tc>
+              </a:tr>
+              <a:tr h="522796">
+                <a:tc>
+                  <a:txBody>
+                    <a:bodyPr/>
+                    <a:lstStyle/>
+                    <a:p>
+                      <a:r>
+                        <a:rPr lang="en-US" sz="1400" dirty="0" err="1"/>
+                        <a:t>user_name</a:t>
+                      </a:r>
+                      <a:r>
+                        <a:rPr lang="en-US" sz="1400" dirty="0"/>
+                        <a:t> </a:t>
+                      </a:r>
+                      <a:r>
+                        <a:rPr lang="en-US" sz="1400" dirty="0" err="1"/>
+                        <a:t>varchar</a:t>
+                      </a:r>
+                      <a:r>
+                        <a:rPr lang="en-US" sz="1400" dirty="0"/>
+                        <a:t>(20) NOT NULL,</a:t>
+                      </a:r>
+                    </a:p>
+                  </a:txBody>
+                  <a:tcPr marL="61576" marR="61576" marT="30788" marB="30788" anchor="ctr">
+                    <a:lnL>
+                      <a:noFill/>
+                    </a:lnL>
+                    <a:lnR>
+                      <a:noFill/>
+                    </a:lnR>
+                    <a:lnT>
+                      <a:noFill/>
+                    </a:lnT>
+                    <a:lnB>
+                      <a:noFill/>
+                    </a:lnB>
+                  </a:tcPr>
+                </a:tc>
+              </a:tr>
+              <a:tr h="522796">
+                <a:tc>
+                  <a:txBody>
+                    <a:bodyPr/>
+                    <a:lstStyle/>
+                    <a:p>
+                      <a:r>
+                        <a:rPr lang="en-US" sz="1400" dirty="0" err="1"/>
+                        <a:t>user_birth</a:t>
+                      </a:r>
+                      <a:r>
+                        <a:rPr lang="en-US" sz="1400" dirty="0"/>
+                        <a:t> char(8) NOT NULL,</a:t>
+                      </a:r>
+                    </a:p>
+                  </a:txBody>
+                  <a:tcPr marL="61576" marR="61576" marT="30788" marB="30788" anchor="ctr">
+                    <a:lnL>
+                      <a:noFill/>
+                    </a:lnL>
+                    <a:lnR>
+                      <a:noFill/>
+                    </a:lnR>
+                    <a:lnT>
+                      <a:noFill/>
+                    </a:lnT>
+                    <a:lnB>
+                      <a:noFill/>
+                    </a:lnB>
+                  </a:tcPr>
+                </a:tc>
+              </a:tr>
+              <a:tr h="522796">
+                <a:tc>
+                  <a:txBody>
+                    <a:bodyPr/>
+                    <a:lstStyle/>
+                    <a:p>
+                      <a:r>
+                        <a:rPr lang="en-US" sz="1400" dirty="0" err="1"/>
+                        <a:t>user_addr</a:t>
+                      </a:r>
+                      <a:r>
+                        <a:rPr lang="en-US" sz="1400" dirty="0"/>
+                        <a:t> </a:t>
+                      </a:r>
+                      <a:r>
+                        <a:rPr lang="en-US" sz="1400" dirty="0" err="1"/>
+                        <a:t>varchar</a:t>
+                      </a:r>
+                      <a:r>
+                        <a:rPr lang="en-US" sz="1400" dirty="0"/>
+                        <a:t>(100) NOT NULL,</a:t>
+                      </a:r>
+                    </a:p>
+                  </a:txBody>
+                  <a:tcPr marL="61576" marR="61576" marT="30788" marB="30788" anchor="ctr">
+                    <a:lnL>
+                      <a:noFill/>
+                    </a:lnL>
+                    <a:lnR>
+                      <a:noFill/>
+                    </a:lnR>
+                    <a:lnT>
+                      <a:noFill/>
+                    </a:lnT>
+                    <a:lnB>
+                      <a:noFill/>
+                    </a:lnB>
+                  </a:tcPr>
+                </a:tc>
+              </a:tr>
+              <a:tr h="298742">
+                <a:tc>
+                  <a:txBody>
+                    <a:bodyPr/>
+                    <a:lstStyle/>
+                    <a:p>
+                      <a:r>
+                        <a:rPr lang="en-US" sz="1400" dirty="0" err="1"/>
+                        <a:t>user_tel</a:t>
+                      </a:r>
+                      <a:r>
+                        <a:rPr lang="en-US" sz="1400" dirty="0"/>
+                        <a:t> </a:t>
+                      </a:r>
+                      <a:r>
+                        <a:rPr lang="en-US" sz="1400" dirty="0" err="1"/>
+                        <a:t>varchar</a:t>
+                      </a:r>
+                      <a:r>
+                        <a:rPr lang="en-US" sz="1400" dirty="0"/>
+                        <a:t>(15),</a:t>
+                      </a:r>
+                    </a:p>
+                  </a:txBody>
+                  <a:tcPr marL="61576" marR="61576" marT="30788" marB="30788" anchor="ctr">
+                    <a:lnL>
+                      <a:noFill/>
+                    </a:lnL>
+                    <a:lnR>
+                      <a:noFill/>
+                    </a:lnR>
+                    <a:lnT>
+                      <a:noFill/>
+                    </a:lnT>
+                    <a:lnB>
+                      <a:noFill/>
+                    </a:lnB>
+                  </a:tcPr>
+                </a:tc>
+              </a:tr>
+              <a:tr h="522796">
+                <a:tc>
+                  <a:txBody>
+                    <a:bodyPr/>
+                    <a:lstStyle/>
+                    <a:p>
+                      <a:r>
+                        <a:rPr lang="en-US" sz="1400" dirty="0" err="1"/>
+                        <a:t>adm_check</a:t>
+                      </a:r>
+                      <a:r>
+                        <a:rPr lang="en-US" sz="1400" dirty="0"/>
+                        <a:t> char(1) default '0',</a:t>
+                      </a:r>
+                    </a:p>
+                  </a:txBody>
+                  <a:tcPr marL="61576" marR="61576" marT="30788" marB="30788" anchor="ctr">
+                    <a:lnL>
+                      <a:noFill/>
+                    </a:lnL>
+                    <a:lnR>
+                      <a:noFill/>
+                    </a:lnR>
+                    <a:lnT>
+                      <a:noFill/>
+                    </a:lnT>
+                    <a:lnB>
+                      <a:noFill/>
+                    </a:lnB>
+                  </a:tcPr>
+                </a:tc>
+              </a:tr>
+              <a:tr h="298742">
+                <a:tc>
+                  <a:txBody>
+                    <a:bodyPr/>
+                    <a:lstStyle/>
+                    <a:p>
+                      <a:r>
+                        <a:rPr lang="en-US" sz="1400" dirty="0"/>
+                        <a:t>PRIMARY KEY (</a:t>
+                      </a:r>
+                      <a:r>
+                        <a:rPr lang="en-US" sz="1400" dirty="0" err="1"/>
+                        <a:t>user_id</a:t>
+                      </a:r>
+                      <a:r>
+                        <a:rPr lang="en-US" sz="1400" dirty="0"/>
+                        <a:t>)</a:t>
+                      </a:r>
+                    </a:p>
+                  </a:txBody>
+                  <a:tcPr marL="61576" marR="61576" marT="30788" marB="30788" anchor="ctr">
+                    <a:lnL>
+                      <a:noFill/>
+                    </a:lnL>
+                    <a:lnR>
+                      <a:noFill/>
+                    </a:lnR>
+                    <a:lnT>
+                      <a:noFill/>
+                    </a:lnT>
+                    <a:lnB>
+                      <a:noFill/>
+                    </a:lnB>
+                  </a:tcPr>
+                </a:tc>
+              </a:tr>
+              <a:tr h="298742">
+                <a:tc>
+                  <a:txBody>
+                    <a:bodyPr/>
+                    <a:lstStyle/>
+                    <a:p>
+                      <a:r>
+                        <a:rPr lang="en-US" sz="1400" dirty="0"/>
+                        <a:t>)DEFAULT CHARSET=utf8</a:t>
+                      </a:r>
+                    </a:p>
+                  </a:txBody>
+                  <a:tcPr marL="61576" marR="61576" marT="30788" marB="30788" anchor="ctr">
+                    <a:lnL>
+                      <a:noFill/>
+                    </a:lnL>
+                    <a:lnR>
+                      <a:noFill/>
+                    </a:lnR>
+                    <a:lnT>
+                      <a:noFill/>
+                    </a:lnT>
+                    <a:lnB>
+                      <a:noFill/>
+                    </a:lnB>
+                  </a:tcPr>
+                </a:tc>
+              </a:tr>
+            </a:tbl>
+          </a:graphicData>
+        </a:graphic>
+      </p:graphicFrame>
+      <p:graphicFrame>
+        <p:nvGraphicFramePr>
+          <p:cNvPr id="5" name="표 4"/>
+          <p:cNvGraphicFramePr>
+            <a:graphicFrameLocks noGrp="1"/>
+          </p:cNvGraphicFramePr>
+          <p:nvPr/>
+        </p:nvGraphicFramePr>
+        <p:xfrm>
+          <a:off x="3071802" y="1142984"/>
+          <a:ext cx="3143272" cy="5194554"/>
+        </p:xfrm>
+        <a:graphic>
+          <a:graphicData uri="http://schemas.openxmlformats.org/drawingml/2006/table">
+            <a:tbl>
+              <a:tblPr/>
+              <a:tblGrid>
+                <a:gridCol w="3143272"/>
+              </a:tblGrid>
+              <a:tr h="484550">
+                <a:tc>
+                  <a:txBody>
+                    <a:bodyPr/>
+                    <a:lstStyle/>
+                    <a:p>
+                      <a:r>
+                        <a:rPr lang="en-US" sz="1400" dirty="0"/>
+                        <a:t>CREATE TABLE </a:t>
+                      </a:r>
+                      <a:r>
+                        <a:rPr lang="en-US" sz="1400" dirty="0" err="1"/>
+                        <a:t>book_tbl</a:t>
+                      </a:r>
+                      <a:r>
+                        <a:rPr lang="en-US" sz="1400" dirty="0"/>
+                        <a:t> (</a:t>
+                      </a:r>
+                    </a:p>
+                  </a:txBody>
+                  <a:tcPr marL="64508" marR="64508" marT="32254" marB="32254" anchor="ctr">
+                    <a:lnL>
+                      <a:noFill/>
+                    </a:lnL>
+                    <a:lnR>
+                      <a:noFill/>
+                    </a:lnR>
+                    <a:lnT>
+                      <a:noFill/>
+                    </a:lnT>
+                    <a:lnB>
+                      <a:noFill/>
+                    </a:lnB>
+                  </a:tcPr>
+                </a:tc>
+              </a:tr>
+              <a:tr h="484550">
+                <a:tc>
+                  <a:txBody>
+                    <a:bodyPr/>
+                    <a:lstStyle/>
+                    <a:p>
+                      <a:r>
+                        <a:rPr lang="en-US" sz="1400" dirty="0" err="1"/>
+                        <a:t>book_id</a:t>
+                      </a:r>
+                      <a:r>
+                        <a:rPr lang="en-US" sz="1400" dirty="0"/>
+                        <a:t> </a:t>
+                      </a:r>
+                      <a:r>
+                        <a:rPr lang="en-US" sz="1400" dirty="0" err="1"/>
+                        <a:t>varchar</a:t>
+                      </a:r>
+                      <a:r>
+                        <a:rPr lang="en-US" sz="1400" dirty="0"/>
+                        <a:t>(10) NOT NULL,</a:t>
+                      </a:r>
+                    </a:p>
+                  </a:txBody>
+                  <a:tcPr marL="64508" marR="64508" marT="32254" marB="32254" anchor="ctr">
+                    <a:lnL>
+                      <a:noFill/>
+                    </a:lnL>
+                    <a:lnR>
+                      <a:noFill/>
+                    </a:lnR>
+                    <a:lnT>
+                      <a:noFill/>
+                    </a:lnT>
+                    <a:lnB>
+                      <a:noFill/>
+                    </a:lnB>
+                  </a:tcPr>
+                </a:tc>
+              </a:tr>
+              <a:tr h="484550">
+                <a:tc>
+                  <a:txBody>
+                    <a:bodyPr/>
+                    <a:lstStyle/>
+                    <a:p>
+                      <a:r>
+                        <a:rPr lang="en-US" sz="1400" dirty="0" err="1"/>
+                        <a:t>book_code</a:t>
+                      </a:r>
+                      <a:r>
+                        <a:rPr lang="en-US" sz="1400" dirty="0"/>
+                        <a:t> char(2) not null,</a:t>
+                      </a:r>
+                    </a:p>
+                  </a:txBody>
+                  <a:tcPr marL="64508" marR="64508" marT="32254" marB="32254" anchor="ctr">
+                    <a:lnL>
+                      <a:noFill/>
+                    </a:lnL>
+                    <a:lnR>
+                      <a:noFill/>
+                    </a:lnR>
+                    <a:lnT>
+                      <a:noFill/>
+                    </a:lnT>
+                    <a:lnB>
+                      <a:noFill/>
+                    </a:lnB>
+                  </a:tcPr>
+                </a:tc>
+              </a:tr>
+              <a:tr h="484550">
+                <a:tc>
+                  <a:txBody>
+                    <a:bodyPr/>
+                    <a:lstStyle/>
+                    <a:p>
+                      <a:r>
+                        <a:rPr lang="en-US" sz="1400" dirty="0" err="1"/>
+                        <a:t>book_name</a:t>
+                      </a:r>
+                      <a:r>
+                        <a:rPr lang="en-US" sz="1400" dirty="0"/>
+                        <a:t> </a:t>
+                      </a:r>
+                      <a:r>
+                        <a:rPr lang="en-US" sz="1400" dirty="0" err="1"/>
+                        <a:t>varchar</a:t>
+                      </a:r>
+                      <a:r>
+                        <a:rPr lang="en-US" sz="1400" dirty="0"/>
+                        <a:t>(50) NOT NULL,</a:t>
+                      </a:r>
+                    </a:p>
+                  </a:txBody>
+                  <a:tcPr marL="64508" marR="64508" marT="32254" marB="32254" anchor="ctr">
+                    <a:lnL>
+                      <a:noFill/>
+                    </a:lnL>
+                    <a:lnR>
+                      <a:noFill/>
+                    </a:lnR>
+                    <a:lnT>
+                      <a:noFill/>
+                    </a:lnT>
+                    <a:lnB>
+                      <a:noFill/>
+                    </a:lnB>
+                  </a:tcPr>
+                </a:tc>
+              </a:tr>
+              <a:tr h="484550">
+                <a:tc>
+                  <a:txBody>
+                    <a:bodyPr/>
+                    <a:lstStyle/>
+                    <a:p>
+                      <a:r>
+                        <a:rPr lang="en-US" sz="1400" dirty="0" err="1"/>
+                        <a:t>book_author</a:t>
+                      </a:r>
+                      <a:r>
+                        <a:rPr lang="en-US" sz="1400" dirty="0"/>
+                        <a:t> </a:t>
+                      </a:r>
+                      <a:r>
+                        <a:rPr lang="en-US" sz="1400" dirty="0" err="1"/>
+                        <a:t>varchar</a:t>
+                      </a:r>
+                      <a:r>
+                        <a:rPr lang="en-US" sz="1400" dirty="0"/>
+                        <a:t>(30) NOT NULL,</a:t>
+                      </a:r>
+                    </a:p>
+                  </a:txBody>
+                  <a:tcPr marL="64508" marR="64508" marT="32254" marB="32254" anchor="ctr">
+                    <a:lnL>
+                      <a:noFill/>
+                    </a:lnL>
+                    <a:lnR>
+                      <a:noFill/>
+                    </a:lnR>
+                    <a:lnT>
+                      <a:noFill/>
+                    </a:lnT>
+                    <a:lnB>
+                      <a:noFill/>
+                    </a:lnB>
+                  </a:tcPr>
+                </a:tc>
+              </a:tr>
+              <a:tr h="484550">
+                <a:tc>
+                  <a:txBody>
+                    <a:bodyPr/>
+                    <a:lstStyle/>
+                    <a:p>
+                      <a:r>
+                        <a:rPr lang="en-US" sz="1400" dirty="0" err="1"/>
+                        <a:t>book_date</a:t>
+                      </a:r>
+                      <a:r>
+                        <a:rPr lang="en-US" sz="1400" dirty="0"/>
+                        <a:t> char(8) NOT NULL,</a:t>
+                      </a:r>
+                    </a:p>
+                  </a:txBody>
+                  <a:tcPr marL="64508" marR="64508" marT="32254" marB="32254" anchor="ctr">
+                    <a:lnL>
+                      <a:noFill/>
+                    </a:lnL>
+                    <a:lnR>
+                      <a:noFill/>
+                    </a:lnR>
+                    <a:lnT>
+                      <a:noFill/>
+                    </a:lnT>
+                    <a:lnB>
+                      <a:noFill/>
+                    </a:lnB>
+                  </a:tcPr>
+                </a:tc>
+              </a:tr>
+              <a:tr h="484550">
+                <a:tc>
+                  <a:txBody>
+                    <a:bodyPr/>
+                    <a:lstStyle/>
+                    <a:p>
+                      <a:r>
+                        <a:rPr lang="en-US" sz="1400" dirty="0" err="1"/>
+                        <a:t>book_pub</a:t>
+                      </a:r>
+                      <a:r>
+                        <a:rPr lang="en-US" sz="1400" dirty="0"/>
+                        <a:t> </a:t>
+                      </a:r>
+                      <a:r>
+                        <a:rPr lang="en-US" sz="1400" dirty="0" err="1"/>
+                        <a:t>varchar</a:t>
+                      </a:r>
+                      <a:r>
+                        <a:rPr lang="en-US" sz="1400" dirty="0"/>
+                        <a:t>(100) NOT NULL,</a:t>
+                      </a:r>
+                    </a:p>
+                  </a:txBody>
+                  <a:tcPr marL="64508" marR="64508" marT="32254" marB="32254" anchor="ctr">
+                    <a:lnL>
+                      <a:noFill/>
+                    </a:lnL>
+                    <a:lnR>
+                      <a:noFill/>
+                    </a:lnR>
+                    <a:lnT>
+                      <a:noFill/>
+                    </a:lnT>
+                    <a:lnB>
+                      <a:noFill/>
+                    </a:lnB>
+                  </a:tcPr>
+                </a:tc>
+              </a:tr>
+              <a:tr h="274090">
+                <a:tc>
+                  <a:txBody>
+                    <a:bodyPr/>
+                    <a:lstStyle/>
+                    <a:p>
+                      <a:r>
+                        <a:rPr lang="en-US" sz="1400" dirty="0" err="1"/>
+                        <a:t>book_in_date</a:t>
+                      </a:r>
+                      <a:r>
+                        <a:rPr lang="en-US" sz="1400" dirty="0"/>
+                        <a:t> date,</a:t>
+                      </a:r>
+                    </a:p>
+                  </a:txBody>
+                  <a:tcPr marL="64508" marR="64508" marT="32254" marB="32254" anchor="ctr">
+                    <a:lnL>
+                      <a:noFill/>
+                    </a:lnL>
+                    <a:lnR>
+                      <a:noFill/>
+                    </a:lnR>
+                    <a:lnT>
+                      <a:noFill/>
+                    </a:lnT>
+                    <a:lnB>
+                      <a:noFill/>
+                    </a:lnB>
+                  </a:tcPr>
+                </a:tc>
+              </a:tr>
+              <a:tr h="484550">
+                <a:tc>
+                  <a:txBody>
+                    <a:bodyPr/>
+                    <a:lstStyle/>
+                    <a:p>
+                      <a:r>
+                        <a:rPr lang="en-US" sz="1400" dirty="0" err="1"/>
+                        <a:t>book_imgPath</a:t>
+                      </a:r>
+                      <a:r>
+                        <a:rPr lang="en-US" sz="1400" dirty="0"/>
+                        <a:t> </a:t>
+                      </a:r>
+                      <a:r>
+                        <a:rPr lang="en-US" sz="1400" dirty="0" err="1"/>
+                        <a:t>varchar</a:t>
+                      </a:r>
+                      <a:r>
+                        <a:rPr lang="en-US" sz="1400" dirty="0"/>
+                        <a:t>(100),</a:t>
+                      </a:r>
+                    </a:p>
+                  </a:txBody>
+                  <a:tcPr marL="64508" marR="64508" marT="32254" marB="32254" anchor="ctr">
+                    <a:lnL>
+                      <a:noFill/>
+                    </a:lnL>
+                    <a:lnR>
+                      <a:noFill/>
+                    </a:lnR>
+                    <a:lnT>
+                      <a:noFill/>
+                    </a:lnT>
+                    <a:lnB>
+                      <a:noFill/>
+                    </a:lnB>
+                  </a:tcPr>
+                </a:tc>
+              </a:tr>
+              <a:tr h="274090">
+                <a:tc>
+                  <a:txBody>
+                    <a:bodyPr/>
+                    <a:lstStyle/>
+                    <a:p>
+                      <a:r>
+                        <a:rPr lang="en-US" sz="1400" dirty="0"/>
+                        <a:t>PRIMARY KEY (</a:t>
+                      </a:r>
+                      <a:r>
+                        <a:rPr lang="en-US" sz="1400" dirty="0" err="1"/>
+                        <a:t>book_id</a:t>
+                      </a:r>
+                      <a:r>
+                        <a:rPr lang="en-US" sz="1400" dirty="0"/>
+                        <a:t>)</a:t>
+                      </a:r>
+                    </a:p>
+                  </a:txBody>
+                  <a:tcPr marL="64508" marR="64508" marT="32254" marB="32254" anchor="ctr">
+                    <a:lnL>
+                      <a:noFill/>
+                    </a:lnL>
+                    <a:lnR>
+                      <a:noFill/>
+                    </a:lnR>
+                    <a:lnT>
+                      <a:noFill/>
+                    </a:lnT>
+                    <a:lnB>
+                      <a:noFill/>
+                    </a:lnB>
+                  </a:tcPr>
+                </a:tc>
+              </a:tr>
+              <a:tr h="484550">
+                <a:tc>
+                  <a:txBody>
+                    <a:bodyPr/>
+                    <a:lstStyle/>
+                    <a:p>
+                      <a:r>
+                        <a:rPr lang="en-US" sz="1400" dirty="0"/>
+                        <a:t>)DEFAULT CHARSET=utf8;</a:t>
+                      </a:r>
+                    </a:p>
+                  </a:txBody>
+                  <a:tcPr marL="64508" marR="64508" marT="32254" marB="32254" anchor="ctr">
+                    <a:lnL>
+                      <a:noFill/>
+                    </a:lnL>
+                    <a:lnR>
+                      <a:noFill/>
+                    </a:lnR>
+                    <a:lnT>
+                      <a:noFill/>
+                    </a:lnT>
+                    <a:lnB>
+                      <a:noFill/>
+                    </a:lnB>
+                  </a:tcPr>
+                </a:tc>
+              </a:tr>
+              <a:tr h="274090">
+                <a:tc>
+                  <a:txBody>
+                    <a:bodyPr/>
+                    <a:lstStyle/>
+                    <a:p>
+                      <a:endParaRPr lang="ko-KR" altLang="en-US" sz="1400" dirty="0"/>
+                    </a:p>
+                  </a:txBody>
+                  <a:tcPr marL="64508" marR="64508" marT="32254" marB="32254" anchor="ctr">
+                    <a:lnL>
+                      <a:noFill/>
+                    </a:lnL>
+                    <a:lnR>
+                      <a:noFill/>
+                    </a:lnR>
+                    <a:lnT>
+                      <a:noFill/>
+                    </a:lnT>
+                    <a:lnB>
+                      <a:noFill/>
+                    </a:lnB>
+                  </a:tcPr>
+                </a:tc>
+              </a:tr>
+            </a:tbl>
+          </a:graphicData>
+        </a:graphic>
+      </p:graphicFrame>
+      <p:graphicFrame>
+        <p:nvGraphicFramePr>
+          <p:cNvPr id="7" name="표 6"/>
+          <p:cNvGraphicFramePr>
+            <a:graphicFrameLocks noGrp="1"/>
+          </p:cNvGraphicFramePr>
+          <p:nvPr/>
+        </p:nvGraphicFramePr>
+        <p:xfrm>
+          <a:off x="6000760" y="1214422"/>
+          <a:ext cx="2928958" cy="4500590"/>
+        </p:xfrm>
+        <a:graphic>
+          <a:graphicData uri="http://schemas.openxmlformats.org/drawingml/2006/table">
+            <a:tbl>
+              <a:tblPr/>
+              <a:tblGrid>
+                <a:gridCol w="2928958"/>
+              </a:tblGrid>
+              <a:tr h="312488">
+                <a:tc>
+                  <a:txBody>
+                    <a:bodyPr/>
+                    <a:lstStyle/>
+                    <a:p>
+                      <a:r>
+                        <a:rPr lang="en-US" sz="1400" dirty="0"/>
+                        <a:t>CREATE TABLE </a:t>
+                      </a:r>
+                      <a:r>
+                        <a:rPr lang="en-US" sz="1400" dirty="0" err="1"/>
+                        <a:t>rent_tbl</a:t>
+                      </a:r>
+                      <a:r>
+                        <a:rPr lang="en-US" sz="1400" dirty="0"/>
+                        <a:t> (</a:t>
+                      </a:r>
+                    </a:p>
+                  </a:txBody>
+                  <a:tcPr marL="45156" marR="45156" marT="22578" marB="22578" anchor="ctr">
+                    <a:lnL>
+                      <a:noFill/>
+                    </a:lnL>
+                    <a:lnR>
+                      <a:noFill/>
+                    </a:lnR>
+                    <a:lnT>
+                      <a:noFill/>
+                    </a:lnT>
+                    <a:lnB>
+                      <a:noFill/>
+                    </a:lnB>
+                  </a:tcPr>
+                </a:tc>
+              </a:tr>
+              <a:tr h="541773">
+                <a:tc>
+                  <a:txBody>
+                    <a:bodyPr/>
+                    <a:lstStyle/>
+                    <a:p>
+                      <a:r>
+                        <a:rPr lang="en-US" sz="1400" dirty="0" err="1"/>
+                        <a:t>rent_no</a:t>
+                      </a:r>
+                      <a:r>
+                        <a:rPr lang="en-US" sz="1400" dirty="0"/>
+                        <a:t> </a:t>
+                      </a:r>
+                      <a:r>
+                        <a:rPr lang="en-US" sz="1400" dirty="0" err="1"/>
+                        <a:t>varchar</a:t>
+                      </a:r>
+                      <a:r>
+                        <a:rPr lang="en-US" sz="1400" dirty="0"/>
+                        <a:t>(12) NOT NULL,</a:t>
+                      </a:r>
+                    </a:p>
+                  </a:txBody>
+                  <a:tcPr marL="45156" marR="45156" marT="22578" marB="22578" anchor="ctr">
+                    <a:lnL>
+                      <a:noFill/>
+                    </a:lnL>
+                    <a:lnR>
+                      <a:noFill/>
+                    </a:lnR>
+                    <a:lnT>
+                      <a:noFill/>
+                    </a:lnT>
+                    <a:lnB>
+                      <a:noFill/>
+                    </a:lnB>
+                  </a:tcPr>
+                </a:tc>
+              </a:tr>
+              <a:tr h="541773">
+                <a:tc>
+                  <a:txBody>
+                    <a:bodyPr/>
+                    <a:lstStyle/>
+                    <a:p>
+                      <a:r>
+                        <a:rPr lang="en-US" sz="1400" dirty="0" err="1"/>
+                        <a:t>user_id</a:t>
+                      </a:r>
+                      <a:r>
+                        <a:rPr lang="en-US" sz="1400" dirty="0"/>
+                        <a:t> </a:t>
+                      </a:r>
+                      <a:r>
+                        <a:rPr lang="en-US" sz="1400" dirty="0" err="1"/>
+                        <a:t>varchar</a:t>
+                      </a:r>
+                      <a:r>
+                        <a:rPr lang="en-US" sz="1400" dirty="0"/>
+                        <a:t>(10) NOT NULL,</a:t>
+                      </a:r>
+                    </a:p>
+                  </a:txBody>
+                  <a:tcPr marL="45156" marR="45156" marT="22578" marB="22578" anchor="ctr">
+                    <a:lnL>
+                      <a:noFill/>
+                    </a:lnL>
+                    <a:lnR>
+                      <a:noFill/>
+                    </a:lnR>
+                    <a:lnT>
+                      <a:noFill/>
+                    </a:lnT>
+                    <a:lnB>
+                      <a:noFill/>
+                    </a:lnB>
+                  </a:tcPr>
+                </a:tc>
+              </a:tr>
+              <a:tr h="541773">
+                <a:tc>
+                  <a:txBody>
+                    <a:bodyPr/>
+                    <a:lstStyle/>
+                    <a:p>
+                      <a:r>
+                        <a:rPr lang="en-US" sz="1400" dirty="0" err="1"/>
+                        <a:t>book_id</a:t>
+                      </a:r>
+                      <a:r>
+                        <a:rPr lang="en-US" sz="1400" dirty="0"/>
+                        <a:t> </a:t>
+                      </a:r>
+                      <a:r>
+                        <a:rPr lang="en-US" sz="1400" dirty="0" err="1"/>
+                        <a:t>varchar</a:t>
+                      </a:r>
+                      <a:r>
+                        <a:rPr lang="en-US" sz="1400" dirty="0"/>
+                        <a:t>(10) not null,</a:t>
+                      </a:r>
+                    </a:p>
+                  </a:txBody>
+                  <a:tcPr marL="45156" marR="45156" marT="22578" marB="22578" anchor="ctr">
+                    <a:lnL>
+                      <a:noFill/>
+                    </a:lnL>
+                    <a:lnR>
+                      <a:noFill/>
+                    </a:lnR>
+                    <a:lnT>
+                      <a:noFill/>
+                    </a:lnT>
+                    <a:lnB>
+                      <a:noFill/>
+                    </a:lnB>
+                  </a:tcPr>
+                </a:tc>
+              </a:tr>
+              <a:tr h="541773">
+                <a:tc>
+                  <a:txBody>
+                    <a:bodyPr/>
+                    <a:lstStyle/>
+                    <a:p>
+                      <a:r>
+                        <a:rPr lang="en-US" sz="1400" dirty="0" err="1"/>
+                        <a:t>book_rent_date</a:t>
+                      </a:r>
+                      <a:r>
+                        <a:rPr lang="en-US" sz="1400" dirty="0"/>
+                        <a:t> date NOT NULL,</a:t>
+                      </a:r>
+                    </a:p>
+                  </a:txBody>
+                  <a:tcPr marL="45156" marR="45156" marT="22578" marB="22578" anchor="ctr">
+                    <a:lnL>
+                      <a:noFill/>
+                    </a:lnL>
+                    <a:lnR>
+                      <a:noFill/>
+                    </a:lnR>
+                    <a:lnT>
+                      <a:noFill/>
+                    </a:lnT>
+                    <a:lnB>
+                      <a:noFill/>
+                    </a:lnB>
+                  </a:tcPr>
+                </a:tc>
+              </a:tr>
+              <a:tr h="541773">
+                <a:tc>
+                  <a:txBody>
+                    <a:bodyPr/>
+                    <a:lstStyle/>
+                    <a:p>
+                      <a:r>
+                        <a:rPr lang="en-US" sz="1400" dirty="0" err="1"/>
+                        <a:t>book_re_due_date</a:t>
+                      </a:r>
+                      <a:r>
+                        <a:rPr lang="en-US" sz="1400" dirty="0"/>
+                        <a:t> date NOT NULL,</a:t>
+                      </a:r>
+                    </a:p>
+                  </a:txBody>
+                  <a:tcPr marL="45156" marR="45156" marT="22578" marB="22578" anchor="ctr">
+                    <a:lnL>
+                      <a:noFill/>
+                    </a:lnL>
+                    <a:lnR>
+                      <a:noFill/>
+                    </a:lnR>
+                    <a:lnT>
+                      <a:noFill/>
+                    </a:lnT>
+                    <a:lnB>
+                      <a:noFill/>
+                    </a:lnB>
+                  </a:tcPr>
+                </a:tc>
+              </a:tr>
+              <a:tr h="312488">
+                <a:tc>
+                  <a:txBody>
+                    <a:bodyPr/>
+                    <a:lstStyle/>
+                    <a:p>
+                      <a:r>
+                        <a:rPr lang="en-US" sz="1400" dirty="0" err="1"/>
+                        <a:t>book_re_date</a:t>
+                      </a:r>
+                      <a:r>
+                        <a:rPr lang="en-US" sz="1400" dirty="0"/>
+                        <a:t> date,</a:t>
+                      </a:r>
+                    </a:p>
+                  </a:txBody>
+                  <a:tcPr marL="45156" marR="45156" marT="22578" marB="22578" anchor="ctr">
+                    <a:lnL>
+                      <a:noFill/>
+                    </a:lnL>
+                    <a:lnR>
+                      <a:noFill/>
+                    </a:lnR>
+                    <a:lnT>
+                      <a:noFill/>
+                    </a:lnT>
+                    <a:lnB>
+                      <a:noFill/>
+                    </a:lnB>
+                  </a:tcPr>
+                </a:tc>
+              </a:tr>
+              <a:tr h="541773">
+                <a:tc>
+                  <a:txBody>
+                    <a:bodyPr/>
+                    <a:lstStyle/>
+                    <a:p>
+                      <a:r>
+                        <a:rPr lang="en-US" sz="1400" dirty="0" err="1"/>
+                        <a:t>book_status</a:t>
+                      </a:r>
+                      <a:r>
+                        <a:rPr lang="en-US" sz="1400" dirty="0"/>
+                        <a:t> char(1) default '1',</a:t>
+                      </a:r>
+                    </a:p>
+                  </a:txBody>
+                  <a:tcPr marL="45156" marR="45156" marT="22578" marB="22578" anchor="ctr">
+                    <a:lnL>
+                      <a:noFill/>
+                    </a:lnL>
+                    <a:lnR>
+                      <a:noFill/>
+                    </a:lnR>
+                    <a:lnT>
+                      <a:noFill/>
+                    </a:lnT>
+                    <a:lnB>
+                      <a:noFill/>
+                    </a:lnB>
+                  </a:tcPr>
+                </a:tc>
+              </a:tr>
+              <a:tr h="312488">
+                <a:tc>
+                  <a:txBody>
+                    <a:bodyPr/>
+                    <a:lstStyle/>
+                    <a:p>
+                      <a:r>
+                        <a:rPr lang="en-US" sz="1400" dirty="0"/>
+                        <a:t>PRIMARY KEY (</a:t>
+                      </a:r>
+                      <a:r>
+                        <a:rPr lang="en-US" sz="1400" dirty="0" err="1"/>
+                        <a:t>rent_no</a:t>
+                      </a:r>
+                      <a:r>
+                        <a:rPr lang="en-US" sz="1400" dirty="0"/>
+                        <a:t>),</a:t>
+                      </a:r>
+                    </a:p>
+                  </a:txBody>
+                  <a:tcPr marL="45156" marR="45156" marT="22578" marB="22578" anchor="ctr">
+                    <a:lnL>
+                      <a:noFill/>
+                    </a:lnL>
+                    <a:lnR>
+                      <a:noFill/>
+                    </a:lnR>
+                    <a:lnT>
+                      <a:noFill/>
+                    </a:lnT>
+                    <a:lnB>
+                      <a:noFill/>
+                    </a:lnB>
+                  </a:tcPr>
+                </a:tc>
+              </a:tr>
+              <a:tr h="312488">
+                <a:tc>
+                  <a:txBody>
+                    <a:bodyPr/>
+                    <a:lstStyle/>
+                    <a:p>
+                      <a:r>
+                        <a:rPr lang="en-US" sz="1400" dirty="0"/>
+                        <a:t>)DEFAULT CHARSET=utf8;</a:t>
+                      </a:r>
+                    </a:p>
+                  </a:txBody>
+                  <a:tcPr marL="45156" marR="45156" marT="22578" marB="22578" anchor="ctr">
+                    <a:lnL>
+                      <a:noFill/>
+                    </a:lnL>
+                    <a:lnR>
+                      <a:noFill/>
+                    </a:lnR>
+                    <a:lnT>
+                      <a:noFill/>
+                    </a:lnT>
+                    <a:lnB>
+                      <a:noFill/>
+                    </a:lnB>
+                  </a:tcPr>
+                </a:tc>
+              </a:tr>
+            </a:tbl>
+          </a:graphicData>
+        </a:graphic>
+      </p:graphicFrame>
+      <p:sp>
+        <p:nvSpPr>
+          <p:cNvPr id="9" name="TextBox 8"/>
+          <p:cNvSpPr txBox="1"/>
+          <p:nvPr/>
+        </p:nvSpPr>
+        <p:spPr>
+          <a:xfrm>
+            <a:off x="2714612" y="428604"/>
+            <a:ext cx="3429024" cy="400110"/>
+          </a:xfrm>
+          <a:prstGeom prst="rect">
+            <a:avLst/>
+          </a:prstGeom>
+        </p:spPr>
+        <p:style>
+          <a:lnRef idx="1">
+            <a:schemeClr val="accent1"/>
+          </a:lnRef>
+          <a:fillRef idx="2">
+            <a:schemeClr val="accent1"/>
+          </a:fillRef>
+          <a:effectRef idx="1">
+            <a:schemeClr val="accent1"/>
+          </a:effectRef>
+          <a:fontRef idx="minor">
+            <a:schemeClr val="dk1"/>
+          </a:fontRef>
+        </p:style>
+        <p:txBody>
+          <a:bodyPr wrap="square" rtlCol="0">
+            <a:spAutoFit/>
+          </a:bodyPr>
+          <a:lstStyle/>
+          <a:p>
+            <a:pPr algn="ctr"/>
+            <a:r>
+              <a:rPr lang="en-US" altLang="ko-KR" sz="2000" b="1" dirty="0" smtClean="0">
+                <a:latin typeface="굴림체" pitchFamily="49" charset="-127"/>
+                <a:ea typeface="굴림체" pitchFamily="49" charset="-127"/>
+              </a:rPr>
+              <a:t>Database(</a:t>
+            </a:r>
+            <a:r>
+              <a:rPr lang="en-US" sz="2000" dirty="0" err="1" smtClean="0"/>
+              <a:t>dreamLibDB</a:t>
+            </a:r>
+            <a:r>
+              <a:rPr lang="en-US" altLang="ko-KR" sz="2000" b="1" dirty="0" smtClean="0">
+                <a:latin typeface="굴림체" pitchFamily="49" charset="-127"/>
+                <a:ea typeface="굴림체" pitchFamily="49" charset="-127"/>
+              </a:rPr>
+              <a:t>)</a:t>
+            </a:r>
+            <a:endParaRPr lang="ko-KR" altLang="en-US" sz="2000" b="1" dirty="0">
+              <a:latin typeface="굴림체" pitchFamily="49" charset="-127"/>
+              <a:ea typeface="굴림체" pitchFamily="49" charset="-127"/>
+            </a:endParaRPr>
+          </a:p>
+        </p:txBody>
+      </p:sp>
+    </p:spTree>
+  </p:cSld>
+  <p:clrMapOvr>
+    <a:masterClrMapping/>
+  </p:clrMapOvr>
+</p:sld>
+</file>
+
+<file path=ppt/slides/slide5.xml><?xml version="1.0" encoding="utf-8"?>
+<p:sld xmlns:a="http://schemas.openxmlformats.org/drawingml/2006/main" xmlns:r="http://schemas.openxmlformats.org/officeDocument/2006/relationships" xmlns:p="http://schemas.openxmlformats.org/presentationml/2006/main">
+  <p:cSld>
+    <p:spTree>
+      <p:nvGrpSpPr>
+        <p:cNvPr id="1" name=""/>
+        <p:cNvGrpSpPr/>
+        <p:nvPr/>
+      </p:nvGrpSpPr>
+      <p:grpSpPr>
+        <a:xfrm>
+          <a:off x="0" y="0"/>
+          <a:ext cx="0" cy="0"/>
+          <a:chOff x="0" y="0"/>
+          <a:chExt cx="0" cy="0"/>
+        </a:xfrm>
+      </p:grpSpPr>
+      <p:sp>
+        <p:nvSpPr>
+          <p:cNvPr id="4" name="TextBox 3"/>
+          <p:cNvSpPr txBox="1"/>
+          <p:nvPr/>
+        </p:nvSpPr>
+        <p:spPr>
+          <a:xfrm>
+            <a:off x="2714612" y="428604"/>
+            <a:ext cx="3429024" cy="400110"/>
+          </a:xfrm>
+          <a:prstGeom prst="rect">
+            <a:avLst/>
+          </a:prstGeom>
+        </p:spPr>
+        <p:style>
+          <a:lnRef idx="1">
+            <a:schemeClr val="accent1"/>
+          </a:lnRef>
+          <a:fillRef idx="2">
+            <a:schemeClr val="accent1"/>
+          </a:fillRef>
+          <a:effectRef idx="1">
+            <a:schemeClr val="accent1"/>
+          </a:effectRef>
+          <a:fontRef idx="minor">
+            <a:schemeClr val="dk1"/>
+          </a:fontRef>
+        </p:style>
+        <p:txBody>
+          <a:bodyPr wrap="square" rtlCol="0">
+            <a:spAutoFit/>
+          </a:bodyPr>
+          <a:lstStyle/>
+          <a:p>
+            <a:pPr algn="ctr"/>
+            <a:r>
+              <a:rPr lang="en-US" altLang="ko-KR" sz="2000" b="1" dirty="0" smtClean="0">
+                <a:latin typeface="굴림체" pitchFamily="49" charset="-127"/>
+                <a:ea typeface="굴림체" pitchFamily="49" charset="-127"/>
+              </a:rPr>
+              <a:t>Board PJ</a:t>
+            </a:r>
+            <a:r>
+              <a:rPr lang="ko-KR" altLang="en-US" sz="2000" b="1" dirty="0" smtClean="0">
+                <a:latin typeface="굴림체" pitchFamily="49" charset="-127"/>
+                <a:ea typeface="굴림체" pitchFamily="49" charset="-127"/>
+              </a:rPr>
+              <a:t>에서 </a:t>
+            </a:r>
+            <a:r>
+              <a:rPr lang="en-US" altLang="ko-KR" sz="2000" b="1" dirty="0" smtClean="0">
+                <a:latin typeface="굴림체" pitchFamily="49" charset="-127"/>
+                <a:ea typeface="굴림체" pitchFamily="49" charset="-127"/>
+              </a:rPr>
+              <a:t>DB </a:t>
+            </a:r>
+            <a:r>
+              <a:rPr lang="ko-KR" altLang="en-US" sz="2000" b="1" dirty="0" smtClean="0">
+                <a:latin typeface="굴림체" pitchFamily="49" charset="-127"/>
+                <a:ea typeface="굴림체" pitchFamily="49" charset="-127"/>
+              </a:rPr>
+              <a:t>설정방법</a:t>
+            </a:r>
+            <a:endParaRPr lang="ko-KR" altLang="en-US" sz="2000" b="1" dirty="0">
+              <a:latin typeface="굴림체" pitchFamily="49" charset="-127"/>
+              <a:ea typeface="굴림체" pitchFamily="49" charset="-127"/>
+            </a:endParaRPr>
+          </a:p>
+        </p:txBody>
+      </p:sp>
+      <p:sp>
+        <p:nvSpPr>
+          <p:cNvPr id="5" name="TextBox 4"/>
+          <p:cNvSpPr txBox="1"/>
+          <p:nvPr/>
+        </p:nvSpPr>
+        <p:spPr>
+          <a:xfrm>
+            <a:off x="1000100" y="928670"/>
+            <a:ext cx="2143140" cy="369332"/>
+          </a:xfrm>
+          <a:prstGeom prst="rect">
+            <a:avLst/>
+          </a:prstGeom>
+          <a:noFill/>
+        </p:spPr>
+        <p:txBody>
+          <a:bodyPr wrap="square" rtlCol="0">
+            <a:spAutoFit/>
+          </a:bodyPr>
+          <a:lstStyle/>
+          <a:p>
+            <a:r>
+              <a:rPr lang="en-US" altLang="ko-KR" dirty="0" smtClean="0"/>
+              <a:t>1. web.xml</a:t>
+            </a:r>
+            <a:endParaRPr lang="ko-KR" altLang="en-US" dirty="0"/>
+          </a:p>
+        </p:txBody>
+      </p:sp>
+      <p:sp>
+        <p:nvSpPr>
+          <p:cNvPr id="6" name="직사각형 5"/>
+          <p:cNvSpPr/>
+          <p:nvPr/>
+        </p:nvSpPr>
+        <p:spPr>
+          <a:xfrm>
+            <a:off x="1428728" y="1250280"/>
+            <a:ext cx="7215238" cy="2893100"/>
+          </a:xfrm>
+          <a:prstGeom prst="rect">
+            <a:avLst/>
+          </a:prstGeom>
+        </p:spPr>
+        <p:txBody>
+          <a:bodyPr wrap="square">
+            <a:spAutoFit/>
+          </a:bodyPr>
+          <a:lstStyle/>
+          <a:p>
+            <a:r>
+              <a:rPr lang="en-US" altLang="ko-KR" sz="1400" dirty="0" smtClean="0"/>
+              <a:t>&lt;context-</a:t>
+            </a:r>
+            <a:r>
+              <a:rPr lang="en-US" altLang="ko-KR" sz="1400" dirty="0" err="1" smtClean="0"/>
+              <a:t>param</a:t>
+            </a:r>
+            <a:r>
+              <a:rPr lang="en-US" altLang="ko-KR" sz="1400" dirty="0" smtClean="0"/>
+              <a:t>&gt;</a:t>
+            </a:r>
+          </a:p>
+          <a:p>
+            <a:r>
+              <a:rPr lang="en-US" altLang="ko-KR" sz="1400" dirty="0" smtClean="0"/>
+              <a:t>&lt;</a:t>
+            </a:r>
+            <a:r>
+              <a:rPr lang="en-US" altLang="ko-KR" sz="1400" dirty="0" err="1" smtClean="0"/>
+              <a:t>param</a:t>
+            </a:r>
+            <a:r>
+              <a:rPr lang="en-US" altLang="ko-KR" sz="1400" dirty="0" smtClean="0"/>
+              <a:t>-name&gt;</a:t>
+            </a:r>
+            <a:r>
+              <a:rPr lang="en-US" altLang="ko-KR" sz="1400" dirty="0" err="1" smtClean="0"/>
+              <a:t>poolConfig</a:t>
+            </a:r>
+            <a:r>
+              <a:rPr lang="en-US" altLang="ko-KR" sz="1400" dirty="0" smtClean="0"/>
+              <a:t>&lt;/</a:t>
+            </a:r>
+            <a:r>
+              <a:rPr lang="en-US" altLang="ko-KR" sz="1400" dirty="0" err="1" smtClean="0"/>
+              <a:t>param</a:t>
+            </a:r>
+            <a:r>
+              <a:rPr lang="en-US" altLang="ko-KR" sz="1400" dirty="0" smtClean="0"/>
+              <a:t>-name&gt;</a:t>
+            </a:r>
+          </a:p>
+          <a:p>
+            <a:r>
+              <a:rPr lang="en-US" altLang="ko-KR" sz="1400" dirty="0" smtClean="0"/>
+              <a:t>&lt;</a:t>
+            </a:r>
+            <a:r>
+              <a:rPr lang="en-US" altLang="ko-KR" sz="1400" dirty="0" err="1" smtClean="0"/>
+              <a:t>param</a:t>
+            </a:r>
+            <a:r>
+              <a:rPr lang="en-US" altLang="ko-KR" sz="1400" dirty="0" smtClean="0"/>
+              <a:t>-value&gt;</a:t>
+            </a:r>
+          </a:p>
+          <a:p>
+            <a:r>
+              <a:rPr lang="en-US" altLang="ko-KR" sz="1400" dirty="0" err="1" smtClean="0"/>
+              <a:t>jdbcdriver</a:t>
+            </a:r>
+            <a:r>
+              <a:rPr lang="en-US" altLang="ko-KR" sz="1400" dirty="0" smtClean="0"/>
+              <a:t>=</a:t>
+            </a:r>
+            <a:r>
+              <a:rPr lang="en-US" altLang="ko-KR" sz="1400" dirty="0" err="1" smtClean="0"/>
+              <a:t>com.mysql.jdbc.Driver</a:t>
+            </a:r>
+            <a:endParaRPr lang="en-US" altLang="ko-KR" sz="1400" dirty="0" smtClean="0"/>
+          </a:p>
+          <a:p>
+            <a:r>
+              <a:rPr lang="en-US" altLang="ko-KR" sz="1400" dirty="0" err="1" smtClean="0"/>
+              <a:t>jdbcUrl</a:t>
+            </a:r>
+            <a:r>
+              <a:rPr lang="en-US" altLang="ko-KR" sz="1400" dirty="0" smtClean="0"/>
+              <a:t>=</a:t>
+            </a:r>
+            <a:r>
+              <a:rPr lang="en-US" altLang="ko-KR" sz="1400" dirty="0" err="1" smtClean="0"/>
+              <a:t>jdbc:mysql</a:t>
+            </a:r>
+            <a:r>
+              <a:rPr lang="en-US" altLang="ko-KR" sz="1400" dirty="0" smtClean="0"/>
+              <a:t>://localhost:3306</a:t>
+            </a:r>
+            <a:r>
+              <a:rPr lang="en-US" altLang="ko-KR" sz="1400" u="sng" dirty="0" smtClean="0"/>
+              <a:t>/</a:t>
+            </a:r>
+            <a:r>
+              <a:rPr lang="en-US" altLang="ko-KR" sz="1400" u="sng" dirty="0" err="1" smtClean="0"/>
+              <a:t>dreamLibDB</a:t>
+            </a:r>
+            <a:r>
+              <a:rPr lang="en-US" altLang="ko-KR" sz="1400" dirty="0" err="1" smtClean="0"/>
+              <a:t>?characterEncoding</a:t>
+            </a:r>
+            <a:r>
+              <a:rPr lang="en-US" altLang="ko-KR" sz="1400" dirty="0" smtClean="0"/>
+              <a:t>=utf8</a:t>
+            </a:r>
+          </a:p>
+          <a:p>
+            <a:r>
+              <a:rPr lang="en-US" altLang="ko-KR" sz="1400" dirty="0" err="1" smtClean="0"/>
+              <a:t>dbUser</a:t>
+            </a:r>
+            <a:r>
+              <a:rPr lang="en-US" altLang="ko-KR" sz="1400" dirty="0" smtClean="0"/>
+              <a:t>=</a:t>
+            </a:r>
+            <a:r>
+              <a:rPr lang="en-US" altLang="ko-KR" sz="1400" u="sng" dirty="0" smtClean="0"/>
+              <a:t>root</a:t>
+            </a:r>
+          </a:p>
+          <a:p>
+            <a:r>
+              <a:rPr lang="en-US" altLang="ko-KR" sz="1400" dirty="0" err="1" smtClean="0"/>
+              <a:t>dbPass</a:t>
+            </a:r>
+            <a:r>
+              <a:rPr lang="en-US" altLang="ko-KR" sz="1400" dirty="0" smtClean="0"/>
+              <a:t>=</a:t>
+            </a:r>
+            <a:r>
+              <a:rPr lang="en-US" altLang="ko-KR" sz="1400" u="sng" dirty="0" smtClean="0"/>
+              <a:t>1234</a:t>
+            </a:r>
+          </a:p>
+          <a:p>
+            <a:r>
+              <a:rPr lang="en-US" altLang="ko-KR" sz="1400" dirty="0" err="1" smtClean="0"/>
+              <a:t>validationQuery</a:t>
+            </a:r>
+            <a:r>
+              <a:rPr lang="en-US" altLang="ko-KR" sz="1400" dirty="0" smtClean="0"/>
+              <a:t>=select 1</a:t>
+            </a:r>
+          </a:p>
+          <a:p>
+            <a:r>
+              <a:rPr lang="en-US" altLang="ko-KR" sz="1400" dirty="0" err="1" smtClean="0"/>
+              <a:t>minIdle</a:t>
+            </a:r>
+            <a:r>
+              <a:rPr lang="en-US" altLang="ko-KR" sz="1400" dirty="0" smtClean="0"/>
+              <a:t>=3</a:t>
+            </a:r>
+          </a:p>
+          <a:p>
+            <a:r>
+              <a:rPr lang="en-US" altLang="ko-KR" sz="1400" dirty="0" err="1" smtClean="0"/>
+              <a:t>maxTotal</a:t>
+            </a:r>
+            <a:r>
+              <a:rPr lang="en-US" altLang="ko-KR" sz="1400" dirty="0" smtClean="0"/>
+              <a:t>=30</a:t>
+            </a:r>
+          </a:p>
+          <a:p>
+            <a:r>
+              <a:rPr lang="en-US" altLang="ko-KR" sz="1400" dirty="0" err="1" smtClean="0"/>
+              <a:t>poolName</a:t>
+            </a:r>
+            <a:r>
+              <a:rPr lang="en-US" altLang="ko-KR" sz="1400" dirty="0" smtClean="0"/>
+              <a:t>=</a:t>
+            </a:r>
+            <a:r>
+              <a:rPr lang="en-US" altLang="ko-KR" sz="1400" u="sng" dirty="0" err="1" smtClean="0"/>
+              <a:t>dreamLibDB</a:t>
+            </a:r>
+            <a:endParaRPr lang="en-US" altLang="ko-KR" sz="1400" u="sng" dirty="0" smtClean="0"/>
+          </a:p>
+          <a:p>
+            <a:r>
+              <a:rPr lang="en-US" altLang="ko-KR" sz="1400" dirty="0" smtClean="0"/>
+              <a:t>&lt;/</a:t>
+            </a:r>
+            <a:r>
+              <a:rPr lang="en-US" altLang="ko-KR" sz="1400" dirty="0" err="1" smtClean="0"/>
+              <a:t>param</a:t>
+            </a:r>
+            <a:r>
+              <a:rPr lang="en-US" altLang="ko-KR" sz="1400" dirty="0" smtClean="0"/>
+              <a:t>-value&gt;</a:t>
+            </a:r>
+          </a:p>
+          <a:p>
+            <a:r>
+              <a:rPr lang="en-US" altLang="ko-KR" sz="1400" dirty="0" smtClean="0"/>
+              <a:t>&lt;/context-</a:t>
+            </a:r>
+            <a:r>
+              <a:rPr lang="en-US" altLang="ko-KR" sz="1400" dirty="0" err="1" smtClean="0"/>
+              <a:t>param</a:t>
+            </a:r>
+            <a:r>
+              <a:rPr lang="en-US" altLang="ko-KR" sz="1400" dirty="0" smtClean="0"/>
+              <a:t>&gt;</a:t>
+            </a:r>
+            <a:endParaRPr lang="ko-KR" altLang="en-US" sz="1400" dirty="0"/>
+          </a:p>
+        </p:txBody>
+      </p:sp>
+      <p:sp>
+        <p:nvSpPr>
+          <p:cNvPr id="7" name="TextBox 6"/>
+          <p:cNvSpPr txBox="1"/>
+          <p:nvPr/>
+        </p:nvSpPr>
+        <p:spPr>
+          <a:xfrm>
+            <a:off x="1071538" y="4286256"/>
+            <a:ext cx="6429420" cy="369332"/>
+          </a:xfrm>
+          <a:prstGeom prst="rect">
+            <a:avLst/>
+          </a:prstGeom>
+          <a:noFill/>
+        </p:spPr>
+        <p:txBody>
+          <a:bodyPr wrap="square" rtlCol="0">
+            <a:spAutoFit/>
+          </a:bodyPr>
+          <a:lstStyle/>
+          <a:p>
+            <a:r>
+              <a:rPr lang="en-US" altLang="ko-KR" dirty="0" smtClean="0"/>
+              <a:t>2</a:t>
+            </a:r>
+            <a:r>
+              <a:rPr lang="en-US" altLang="ko-KR" dirty="0" smtClean="0"/>
+              <a:t>. </a:t>
+            </a:r>
+            <a:r>
+              <a:rPr lang="en-US" altLang="ko-KR" dirty="0" smtClean="0"/>
+              <a:t>ConnectionProvider.java(</a:t>
+            </a:r>
+            <a:r>
+              <a:rPr lang="en-US" altLang="ko-KR" dirty="0" smtClean="0"/>
+              <a:t>package </a:t>
+            </a:r>
+            <a:r>
+              <a:rPr lang="en-US" altLang="ko-KR" dirty="0" err="1" smtClean="0"/>
+              <a:t>jdbc.connection</a:t>
+            </a:r>
+            <a:r>
+              <a:rPr lang="en-US" altLang="ko-KR" dirty="0" smtClean="0"/>
+              <a:t>)</a:t>
+            </a:r>
+            <a:endParaRPr lang="ko-KR" altLang="en-US" dirty="0"/>
+          </a:p>
+        </p:txBody>
+      </p:sp>
+      <p:sp>
+        <p:nvSpPr>
+          <p:cNvPr id="8" name="직사각형 7"/>
+          <p:cNvSpPr/>
+          <p:nvPr/>
+        </p:nvSpPr>
+        <p:spPr>
+          <a:xfrm>
+            <a:off x="1357290" y="4655588"/>
+            <a:ext cx="5715040" cy="523220"/>
+          </a:xfrm>
+          <a:prstGeom prst="rect">
+            <a:avLst/>
+          </a:prstGeom>
+        </p:spPr>
+        <p:txBody>
+          <a:bodyPr wrap="square">
+            <a:spAutoFit/>
+          </a:bodyPr>
+          <a:lstStyle/>
+          <a:p>
+            <a:r>
+              <a:rPr lang="en-US" altLang="ko-KR" sz="1400" dirty="0" smtClean="0"/>
+              <a:t> return </a:t>
+            </a:r>
+            <a:r>
+              <a:rPr lang="en-US" altLang="ko-KR" sz="1400" dirty="0" err="1" smtClean="0"/>
+              <a:t>DriverManager.</a:t>
+            </a:r>
+            <a:r>
+              <a:rPr lang="en-US" altLang="ko-KR" sz="1400" i="1" dirty="0" err="1" smtClean="0"/>
+              <a:t>getConnection</a:t>
+            </a:r>
+            <a:r>
+              <a:rPr lang="en-US" altLang="ko-KR" sz="1400" i="1" dirty="0" smtClean="0"/>
+              <a:t>(</a:t>
+            </a:r>
+          </a:p>
+          <a:p>
+            <a:r>
+              <a:rPr lang="en-US" altLang="ko-KR" sz="1400" dirty="0" smtClean="0"/>
+              <a:t>                "</a:t>
+            </a:r>
+            <a:r>
+              <a:rPr lang="en-US" altLang="ko-KR" sz="1400" dirty="0" err="1" smtClean="0"/>
+              <a:t>jdbc:apache:commons:dbcp</a:t>
+            </a:r>
+            <a:r>
+              <a:rPr lang="en-US" altLang="ko-KR" sz="1400" u="sng" dirty="0" err="1" smtClean="0"/>
+              <a:t>:dreamLibDB</a:t>
+            </a:r>
+            <a:r>
+              <a:rPr lang="en-US" altLang="ko-KR" sz="1400" dirty="0" smtClean="0"/>
+              <a:t>");</a:t>
+            </a:r>
+            <a:endParaRPr lang="ko-KR" altLang="en-US" sz="1400" dirty="0"/>
+          </a:p>
+        </p:txBody>
+      </p:sp>
+      <p:sp>
+        <p:nvSpPr>
+          <p:cNvPr id="9" name="직사각형 8"/>
+          <p:cNvSpPr/>
+          <p:nvPr/>
+        </p:nvSpPr>
+        <p:spPr>
+          <a:xfrm>
+            <a:off x="1000100" y="5559998"/>
+            <a:ext cx="6929486" cy="369332"/>
+          </a:xfrm>
+          <a:prstGeom prst="rect">
+            <a:avLst/>
+          </a:prstGeom>
+        </p:spPr>
+        <p:txBody>
+          <a:bodyPr wrap="square">
+            <a:spAutoFit/>
+          </a:bodyPr>
+          <a:lstStyle/>
+          <a:p>
+            <a:r>
+              <a:rPr lang="en-US" altLang="ko-KR" dirty="0" smtClean="0"/>
+              <a:t> </a:t>
+            </a:r>
+            <a:r>
+              <a:rPr lang="en-US" altLang="ko-KR" dirty="0" smtClean="0"/>
+              <a:t>3. </a:t>
+            </a:r>
+            <a:r>
+              <a:rPr lang="ko-KR" altLang="en-US" dirty="0" smtClean="0"/>
+              <a:t>위의</a:t>
+            </a:r>
+            <a:r>
+              <a:rPr lang="en-US" altLang="ko-KR" dirty="0" smtClean="0"/>
+              <a:t> </a:t>
+            </a:r>
+            <a:r>
+              <a:rPr lang="ko-KR" altLang="en-US" dirty="0" smtClean="0"/>
+              <a:t>파일을 </a:t>
+            </a:r>
+            <a:r>
+              <a:rPr lang="ko-KR" altLang="en-US" dirty="0" err="1" smtClean="0"/>
+              <a:t>변경후</a:t>
+            </a:r>
+            <a:r>
+              <a:rPr lang="ko-KR" altLang="en-US" dirty="0" smtClean="0"/>
+              <a:t> </a:t>
+            </a:r>
+            <a:r>
+              <a:rPr lang="en-US" altLang="ko-KR" dirty="0" smtClean="0"/>
+              <a:t>dbconnTest.jsp</a:t>
+            </a:r>
+            <a:r>
+              <a:rPr lang="ko-KR" altLang="en-US" dirty="0" smtClean="0"/>
+              <a:t>로</a:t>
+            </a:r>
+            <a:r>
+              <a:rPr lang="en-US" altLang="ko-KR" dirty="0" smtClean="0"/>
+              <a:t> DB</a:t>
+            </a:r>
+            <a:r>
+              <a:rPr lang="ko-KR" altLang="en-US" dirty="0" smtClean="0"/>
+              <a:t>연결 확인</a:t>
+            </a:r>
+            <a:endParaRPr lang="en-US" altLang="ko-KR" i="1" dirty="0" smtClean="0"/>
+          </a:p>
+        </p:txBody>
+      </p:sp>
+    </p:spTree>
+  </p:cSld>
+  <p:clrMapOvr>
+    <a:masterClrMapping/>
+  </p:clrMapOvr>
+</p:sld>
+</file>
+
+<file path=ppt/slides/slide6.xml><?xml version="1.0" encoding="utf-8"?>
+<p:sld xmlns:a="http://schemas.openxmlformats.org/drawingml/2006/main" xmlns:r="http://schemas.openxmlformats.org/officeDocument/2006/relationships" xmlns:p="http://schemas.openxmlformats.org/presentationml/2006/main">
+  <p:cSld>
+    <p:spTree>
+      <p:nvGrpSpPr>
+        <p:cNvPr id="1" name=""/>
+        <p:cNvGrpSpPr/>
+        <p:nvPr/>
+      </p:nvGrpSpPr>
+      <p:grpSpPr>
+        <a:xfrm>
+          <a:off x="0" y="0"/>
+          <a:ext cx="0" cy="0"/>
+          <a:chOff x="0" y="0"/>
+          <a:chExt cx="0" cy="0"/>
+        </a:xfrm>
+      </p:grpSpPr>
+      <p:sp>
+        <p:nvSpPr>
+          <p:cNvPr id="6" name="직사각형 5"/>
+          <p:cNvSpPr/>
+          <p:nvPr/>
+        </p:nvSpPr>
+        <p:spPr>
+          <a:xfrm>
+            <a:off x="2071670" y="1285860"/>
+            <a:ext cx="4857784" cy="4500594"/>
+          </a:xfrm>
+          <a:prstGeom prst="rect">
+            <a:avLst/>
+          </a:prstGeom>
+          <a:noFill/>
+        </p:spPr>
+        <p:style>
+          <a:lnRef idx="2">
+            <a:schemeClr val="accent1">
+              <a:shade val="50000"/>
+            </a:schemeClr>
+          </a:lnRef>
+          <a:fillRef idx="1">
+            <a:schemeClr val="accent1"/>
+          </a:fillRef>
+          <a:effectRef idx="0">
+            <a:schemeClr val="accent1"/>
+          </a:effectRef>
+          <a:fontRef idx="minor">
+            <a:schemeClr val="lt1"/>
+          </a:fontRef>
+        </p:style>
+        <p:txBody>
+          <a:bodyPr rtlCol="0" anchor="ctr"/>
+          <a:lstStyle/>
+          <a:p>
+            <a:pPr algn="ctr"/>
+            <a:endParaRPr lang="ko-KR" altLang="en-US"/>
+          </a:p>
+        </p:txBody>
+      </p:sp>
+      <p:sp>
+        <p:nvSpPr>
+          <p:cNvPr id="4" name="TextBox 3"/>
+          <p:cNvSpPr txBox="1"/>
+          <p:nvPr/>
+        </p:nvSpPr>
+        <p:spPr>
+          <a:xfrm>
+            <a:off x="2786050" y="528560"/>
+            <a:ext cx="3429024" cy="400110"/>
+          </a:xfrm>
+          <a:prstGeom prst="rect">
+            <a:avLst/>
+          </a:prstGeom>
+        </p:spPr>
+        <p:style>
+          <a:lnRef idx="1">
+            <a:schemeClr val="accent1"/>
+          </a:lnRef>
+          <a:fillRef idx="2">
+            <a:schemeClr val="accent1"/>
+          </a:fillRef>
+          <a:effectRef idx="1">
+            <a:schemeClr val="accent1"/>
+          </a:effectRef>
+          <a:fontRef idx="minor">
+            <a:schemeClr val="dk1"/>
+          </a:fontRef>
+        </p:style>
+        <p:txBody>
+          <a:bodyPr wrap="square" rtlCol="0">
+            <a:spAutoFit/>
+          </a:bodyPr>
+          <a:lstStyle/>
+          <a:p>
+            <a:pPr algn="ctr"/>
+            <a:r>
+              <a:rPr lang="en-US" altLang="ko-KR" sz="2000" b="1" dirty="0" smtClean="0">
+                <a:latin typeface="굴림체" pitchFamily="49" charset="-127"/>
+                <a:ea typeface="굴림체" pitchFamily="49" charset="-127"/>
+              </a:rPr>
+              <a:t>j</a:t>
+            </a:r>
+            <a:r>
+              <a:rPr lang="en-US" altLang="ko-KR" sz="2000" b="1" dirty="0" smtClean="0">
+                <a:latin typeface="굴림체" pitchFamily="49" charset="-127"/>
+                <a:ea typeface="굴림체" pitchFamily="49" charset="-127"/>
+              </a:rPr>
+              <a:t>oin.</a:t>
+            </a:r>
+            <a:r>
+              <a:rPr lang="en-US" altLang="ko-KR" sz="2000" b="1" dirty="0" smtClean="0">
+                <a:latin typeface="굴림체" pitchFamily="49" charset="-127"/>
+                <a:ea typeface="굴림체" pitchFamily="49" charset="-127"/>
+              </a:rPr>
+              <a:t>jsp</a:t>
+            </a:r>
+            <a:endParaRPr lang="ko-KR" altLang="en-US" sz="2000" b="1" dirty="0">
+              <a:latin typeface="굴림체" pitchFamily="49" charset="-127"/>
+              <a:ea typeface="굴림체" pitchFamily="49" charset="-127"/>
+            </a:endParaRPr>
+          </a:p>
+        </p:txBody>
+      </p:sp>
+      <p:sp>
+        <p:nvSpPr>
+          <p:cNvPr id="7" name="TextBox 6"/>
+          <p:cNvSpPr txBox="1"/>
+          <p:nvPr/>
+        </p:nvSpPr>
+        <p:spPr>
+          <a:xfrm>
+            <a:off x="2714612" y="1714488"/>
+            <a:ext cx="1143008" cy="369332"/>
+          </a:xfrm>
+          <a:prstGeom prst="rect">
+            <a:avLst/>
+          </a:prstGeom>
+          <a:noFill/>
+        </p:spPr>
+        <p:txBody>
+          <a:bodyPr wrap="square" rtlCol="0">
+            <a:spAutoFit/>
+          </a:bodyPr>
+          <a:lstStyle/>
+          <a:p>
+            <a:pPr algn="ctr"/>
+            <a:r>
+              <a:rPr lang="ko-KR" altLang="en-US" dirty="0" smtClean="0"/>
+              <a:t>아 이 </a:t>
+            </a:r>
+            <a:r>
+              <a:rPr lang="ko-KR" altLang="en-US" dirty="0" err="1" smtClean="0"/>
+              <a:t>디</a:t>
+            </a:r>
+            <a:endParaRPr lang="en-US" altLang="ko-KR" dirty="0" smtClean="0"/>
+          </a:p>
+        </p:txBody>
+      </p:sp>
+      <p:sp>
+        <p:nvSpPr>
+          <p:cNvPr id="9" name="직사각형 8"/>
+          <p:cNvSpPr/>
+          <p:nvPr/>
+        </p:nvSpPr>
+        <p:spPr>
+          <a:xfrm>
+            <a:off x="4286248" y="1757350"/>
+            <a:ext cx="1857388" cy="285752"/>
+          </a:xfrm>
+          <a:prstGeom prst="rect">
+            <a:avLst/>
+          </a:prstGeom>
+          <a:noFill/>
+          <a:ln>
+            <a:solidFill>
+              <a:schemeClr val="accent2">
+                <a:lumMod val="75000"/>
+              </a:schemeClr>
+            </a:solidFill>
+          </a:ln>
+        </p:spPr>
+        <p:style>
+          <a:lnRef idx="2">
+            <a:schemeClr val="accent1">
+              <a:shade val="50000"/>
+            </a:schemeClr>
+          </a:lnRef>
+          <a:fillRef idx="1">
+            <a:schemeClr val="accent1"/>
+          </a:fillRef>
+          <a:effectRef idx="0">
+            <a:schemeClr val="accent1"/>
+          </a:effectRef>
+          <a:fontRef idx="minor">
+            <a:schemeClr val="lt1"/>
+          </a:fontRef>
+        </p:style>
+        <p:txBody>
+          <a:bodyPr rtlCol="0" anchor="ctr"/>
+          <a:lstStyle/>
+          <a:p>
+            <a:pPr algn="ctr"/>
+            <a:endParaRPr lang="ko-KR" altLang="en-US"/>
+          </a:p>
+        </p:txBody>
+      </p:sp>
+      <p:sp>
+        <p:nvSpPr>
+          <p:cNvPr id="10" name="TextBox 9"/>
+          <p:cNvSpPr txBox="1"/>
+          <p:nvPr/>
+        </p:nvSpPr>
+        <p:spPr>
+          <a:xfrm>
+            <a:off x="2786050" y="2145262"/>
+            <a:ext cx="1071570" cy="369332"/>
+          </a:xfrm>
+          <a:prstGeom prst="rect">
+            <a:avLst/>
+          </a:prstGeom>
+          <a:noFill/>
+        </p:spPr>
+        <p:txBody>
+          <a:bodyPr wrap="square" rtlCol="0">
+            <a:spAutoFit/>
+          </a:bodyPr>
+          <a:lstStyle/>
+          <a:p>
+            <a:r>
+              <a:rPr lang="ko-KR" altLang="en-US" dirty="0" smtClean="0"/>
+              <a:t>이    </a:t>
+            </a:r>
+            <a:r>
+              <a:rPr lang="ko-KR" altLang="en-US" dirty="0" err="1" smtClean="0"/>
+              <a:t>름</a:t>
+            </a:r>
+            <a:endParaRPr lang="en-US" altLang="ko-KR" dirty="0" smtClean="0"/>
+          </a:p>
+        </p:txBody>
+      </p:sp>
+      <p:sp>
+        <p:nvSpPr>
+          <p:cNvPr id="11" name="직사각형 10"/>
+          <p:cNvSpPr/>
+          <p:nvPr/>
+        </p:nvSpPr>
+        <p:spPr>
+          <a:xfrm>
+            <a:off x="4286248" y="2188124"/>
+            <a:ext cx="1857388" cy="285752"/>
+          </a:xfrm>
+          <a:prstGeom prst="rect">
+            <a:avLst/>
+          </a:prstGeom>
+          <a:noFill/>
+          <a:ln>
+            <a:solidFill>
+              <a:schemeClr val="accent2">
+                <a:lumMod val="75000"/>
+              </a:schemeClr>
+            </a:solidFill>
+          </a:ln>
+        </p:spPr>
+        <p:style>
+          <a:lnRef idx="2">
+            <a:schemeClr val="accent1">
+              <a:shade val="50000"/>
+            </a:schemeClr>
+          </a:lnRef>
+          <a:fillRef idx="1">
+            <a:schemeClr val="accent1"/>
+          </a:fillRef>
+          <a:effectRef idx="0">
+            <a:schemeClr val="accent1"/>
+          </a:effectRef>
+          <a:fontRef idx="minor">
+            <a:schemeClr val="lt1"/>
+          </a:fontRef>
+        </p:style>
+        <p:txBody>
+          <a:bodyPr rtlCol="0" anchor="ctr"/>
+          <a:lstStyle/>
+          <a:p>
+            <a:pPr algn="ctr"/>
+            <a:endParaRPr lang="ko-KR" altLang="en-US"/>
+          </a:p>
+        </p:txBody>
+      </p:sp>
+      <p:sp>
+        <p:nvSpPr>
+          <p:cNvPr id="12" name="TextBox 11"/>
+          <p:cNvSpPr txBox="1"/>
+          <p:nvPr/>
+        </p:nvSpPr>
+        <p:spPr>
+          <a:xfrm>
+            <a:off x="2714612" y="2571744"/>
+            <a:ext cx="1143008" cy="369332"/>
+          </a:xfrm>
+          <a:prstGeom prst="rect">
+            <a:avLst/>
+          </a:prstGeom>
+          <a:noFill/>
+        </p:spPr>
+        <p:txBody>
+          <a:bodyPr wrap="square" rtlCol="0">
+            <a:spAutoFit/>
+          </a:bodyPr>
+          <a:lstStyle/>
+          <a:p>
+            <a:r>
+              <a:rPr lang="ko-KR" altLang="en-US" dirty="0" smtClean="0"/>
+              <a:t>비밀번호</a:t>
+            </a:r>
+            <a:endParaRPr lang="en-US" altLang="ko-KR" dirty="0" smtClean="0"/>
+          </a:p>
+        </p:txBody>
+      </p:sp>
+      <p:sp>
+        <p:nvSpPr>
+          <p:cNvPr id="13" name="직사각형 12"/>
+          <p:cNvSpPr/>
+          <p:nvPr/>
+        </p:nvSpPr>
+        <p:spPr>
+          <a:xfrm>
+            <a:off x="4286248" y="2614606"/>
+            <a:ext cx="1857388" cy="285752"/>
+          </a:xfrm>
+          <a:prstGeom prst="rect">
+            <a:avLst/>
+          </a:prstGeom>
+          <a:noFill/>
+          <a:ln>
+            <a:solidFill>
+              <a:schemeClr val="accent2">
+                <a:lumMod val="75000"/>
+              </a:schemeClr>
+            </a:solidFill>
+          </a:ln>
+        </p:spPr>
+        <p:style>
+          <a:lnRef idx="2">
+            <a:schemeClr val="accent1">
+              <a:shade val="50000"/>
+            </a:schemeClr>
+          </a:lnRef>
+          <a:fillRef idx="1">
+            <a:schemeClr val="accent1"/>
+          </a:fillRef>
+          <a:effectRef idx="0">
+            <a:schemeClr val="accent1"/>
+          </a:effectRef>
+          <a:fontRef idx="minor">
+            <a:schemeClr val="lt1"/>
+          </a:fontRef>
+        </p:style>
+        <p:txBody>
+          <a:bodyPr rtlCol="0" anchor="ctr"/>
+          <a:lstStyle/>
+          <a:p>
+            <a:pPr algn="ctr"/>
+            <a:endParaRPr lang="ko-KR" altLang="en-US"/>
+          </a:p>
+        </p:txBody>
+      </p:sp>
+      <p:sp>
+        <p:nvSpPr>
+          <p:cNvPr id="14" name="TextBox 13"/>
+          <p:cNvSpPr txBox="1"/>
+          <p:nvPr/>
+        </p:nvSpPr>
+        <p:spPr>
+          <a:xfrm>
+            <a:off x="2285984" y="2988230"/>
+            <a:ext cx="1643074" cy="369332"/>
+          </a:xfrm>
+          <a:prstGeom prst="rect">
+            <a:avLst/>
+          </a:prstGeom>
+          <a:noFill/>
+        </p:spPr>
+        <p:txBody>
+          <a:bodyPr wrap="square" rtlCol="0">
+            <a:spAutoFit/>
+          </a:bodyPr>
+          <a:lstStyle/>
+          <a:p>
+            <a:r>
+              <a:rPr lang="ko-KR" altLang="en-US" dirty="0" smtClean="0"/>
+              <a:t>비밀번호확인</a:t>
+            </a:r>
+            <a:endParaRPr lang="en-US" altLang="ko-KR" dirty="0" smtClean="0"/>
+          </a:p>
+        </p:txBody>
+      </p:sp>
+      <p:sp>
+        <p:nvSpPr>
+          <p:cNvPr id="15" name="직사각형 14"/>
+          <p:cNvSpPr/>
+          <p:nvPr/>
+        </p:nvSpPr>
+        <p:spPr>
+          <a:xfrm>
+            <a:off x="4286248" y="3031092"/>
+            <a:ext cx="1857388" cy="285752"/>
+          </a:xfrm>
+          <a:prstGeom prst="rect">
+            <a:avLst/>
+          </a:prstGeom>
+          <a:noFill/>
+          <a:ln>
+            <a:solidFill>
+              <a:schemeClr val="accent2">
+                <a:lumMod val="75000"/>
+              </a:schemeClr>
+            </a:solidFill>
+          </a:ln>
+        </p:spPr>
+        <p:style>
+          <a:lnRef idx="2">
+            <a:schemeClr val="accent1">
+              <a:shade val="50000"/>
+            </a:schemeClr>
+          </a:lnRef>
+          <a:fillRef idx="1">
+            <a:schemeClr val="accent1"/>
+          </a:fillRef>
+          <a:effectRef idx="0">
+            <a:schemeClr val="accent1"/>
+          </a:effectRef>
+          <a:fontRef idx="minor">
+            <a:schemeClr val="lt1"/>
+          </a:fontRef>
+        </p:style>
+        <p:txBody>
+          <a:bodyPr rtlCol="0" anchor="ctr"/>
+          <a:lstStyle/>
+          <a:p>
+            <a:pPr algn="ctr"/>
+            <a:endParaRPr lang="ko-KR" altLang="en-US"/>
+          </a:p>
+        </p:txBody>
+      </p:sp>
+      <p:sp>
+        <p:nvSpPr>
+          <p:cNvPr id="16" name="TextBox 15"/>
+          <p:cNvSpPr txBox="1"/>
+          <p:nvPr/>
+        </p:nvSpPr>
+        <p:spPr>
+          <a:xfrm>
+            <a:off x="2714612" y="3419004"/>
+            <a:ext cx="1143008" cy="369332"/>
+          </a:xfrm>
+          <a:prstGeom prst="rect">
+            <a:avLst/>
+          </a:prstGeom>
+          <a:noFill/>
+        </p:spPr>
+        <p:txBody>
+          <a:bodyPr wrap="square" rtlCol="0">
+            <a:spAutoFit/>
+          </a:bodyPr>
+          <a:lstStyle/>
+          <a:p>
+            <a:pPr algn="ctr"/>
+            <a:r>
+              <a:rPr lang="ko-KR" altLang="en-US" dirty="0" smtClean="0"/>
+              <a:t>생     일</a:t>
+            </a:r>
+            <a:endParaRPr lang="en-US" altLang="ko-KR" dirty="0" smtClean="0"/>
+          </a:p>
+        </p:txBody>
+      </p:sp>
+      <p:sp>
+        <p:nvSpPr>
+          <p:cNvPr id="17" name="직사각형 16"/>
+          <p:cNvSpPr/>
+          <p:nvPr/>
+        </p:nvSpPr>
+        <p:spPr>
+          <a:xfrm>
+            <a:off x="4286248" y="3461866"/>
+            <a:ext cx="1857388" cy="285752"/>
+          </a:xfrm>
+          <a:prstGeom prst="rect">
+            <a:avLst/>
+          </a:prstGeom>
+          <a:noFill/>
+          <a:ln>
+            <a:solidFill>
+              <a:schemeClr val="accent2">
+                <a:lumMod val="75000"/>
+              </a:schemeClr>
+            </a:solidFill>
+          </a:ln>
+        </p:spPr>
+        <p:style>
+          <a:lnRef idx="2">
+            <a:schemeClr val="accent1">
+              <a:shade val="50000"/>
+            </a:schemeClr>
+          </a:lnRef>
+          <a:fillRef idx="1">
+            <a:schemeClr val="accent1"/>
+          </a:fillRef>
+          <a:effectRef idx="0">
+            <a:schemeClr val="accent1"/>
+          </a:effectRef>
+          <a:fontRef idx="minor">
+            <a:schemeClr val="lt1"/>
+          </a:fontRef>
+        </p:style>
+        <p:txBody>
+          <a:bodyPr rtlCol="0" anchor="ctr"/>
+          <a:lstStyle/>
+          <a:p>
+            <a:pPr algn="ctr"/>
+            <a:endParaRPr lang="ko-KR" altLang="en-US"/>
+          </a:p>
+        </p:txBody>
+      </p:sp>
+      <p:sp>
+        <p:nvSpPr>
+          <p:cNvPr id="18" name="TextBox 17"/>
+          <p:cNvSpPr txBox="1"/>
+          <p:nvPr/>
+        </p:nvSpPr>
+        <p:spPr>
+          <a:xfrm>
+            <a:off x="2714612" y="3845486"/>
+            <a:ext cx="1143008" cy="369332"/>
+          </a:xfrm>
+          <a:prstGeom prst="rect">
+            <a:avLst/>
+          </a:prstGeom>
+          <a:noFill/>
+        </p:spPr>
+        <p:txBody>
+          <a:bodyPr wrap="square" rtlCol="0">
+            <a:spAutoFit/>
+          </a:bodyPr>
+          <a:lstStyle/>
+          <a:p>
+            <a:pPr algn="ctr"/>
+            <a:r>
+              <a:rPr lang="ko-KR" altLang="en-US" dirty="0" smtClean="0"/>
+              <a:t>주     소</a:t>
+            </a:r>
+            <a:endParaRPr lang="en-US" altLang="ko-KR" dirty="0" smtClean="0"/>
+          </a:p>
+        </p:txBody>
+      </p:sp>
+      <p:sp>
+        <p:nvSpPr>
+          <p:cNvPr id="19" name="직사각형 18"/>
+          <p:cNvSpPr/>
+          <p:nvPr/>
+        </p:nvSpPr>
+        <p:spPr>
+          <a:xfrm>
+            <a:off x="4286248" y="3888348"/>
+            <a:ext cx="1857388" cy="285752"/>
+          </a:xfrm>
+          <a:prstGeom prst="rect">
+            <a:avLst/>
+          </a:prstGeom>
+          <a:noFill/>
+          <a:ln>
+            <a:solidFill>
+              <a:schemeClr val="accent2">
+                <a:lumMod val="75000"/>
+              </a:schemeClr>
+            </a:solidFill>
+          </a:ln>
+        </p:spPr>
+        <p:style>
+          <a:lnRef idx="2">
+            <a:schemeClr val="accent1">
+              <a:shade val="50000"/>
+            </a:schemeClr>
+          </a:lnRef>
+          <a:fillRef idx="1">
+            <a:schemeClr val="accent1"/>
+          </a:fillRef>
+          <a:effectRef idx="0">
+            <a:schemeClr val="accent1"/>
+          </a:effectRef>
+          <a:fontRef idx="minor">
+            <a:schemeClr val="lt1"/>
+          </a:fontRef>
+        </p:style>
+        <p:txBody>
+          <a:bodyPr rtlCol="0" anchor="ctr"/>
+          <a:lstStyle/>
+          <a:p>
+            <a:pPr algn="ctr"/>
+            <a:endParaRPr lang="ko-KR" altLang="en-US"/>
+          </a:p>
+        </p:txBody>
+      </p:sp>
+      <p:sp>
+        <p:nvSpPr>
+          <p:cNvPr id="20" name="TextBox 19"/>
+          <p:cNvSpPr txBox="1"/>
+          <p:nvPr/>
+        </p:nvSpPr>
+        <p:spPr>
+          <a:xfrm>
+            <a:off x="2714612" y="4274114"/>
+            <a:ext cx="1143008" cy="369332"/>
+          </a:xfrm>
+          <a:prstGeom prst="rect">
+            <a:avLst/>
+          </a:prstGeom>
+          <a:noFill/>
+        </p:spPr>
+        <p:txBody>
+          <a:bodyPr wrap="square" rtlCol="0">
+            <a:spAutoFit/>
+          </a:bodyPr>
+          <a:lstStyle/>
+          <a:p>
+            <a:pPr algn="ctr"/>
+            <a:r>
+              <a:rPr lang="ko-KR" altLang="en-US" dirty="0" smtClean="0"/>
+              <a:t>전화번호</a:t>
+            </a:r>
+            <a:endParaRPr lang="en-US" altLang="ko-KR" dirty="0" smtClean="0"/>
+          </a:p>
+        </p:txBody>
+      </p:sp>
+      <p:sp>
+        <p:nvSpPr>
+          <p:cNvPr id="21" name="직사각형 20"/>
+          <p:cNvSpPr/>
+          <p:nvPr/>
+        </p:nvSpPr>
+        <p:spPr>
+          <a:xfrm>
+            <a:off x="4286248" y="4316976"/>
+            <a:ext cx="1857388" cy="285752"/>
+          </a:xfrm>
+          <a:prstGeom prst="rect">
+            <a:avLst/>
+          </a:prstGeom>
+          <a:noFill/>
+          <a:ln>
+            <a:solidFill>
+              <a:schemeClr val="accent2">
+                <a:lumMod val="75000"/>
+              </a:schemeClr>
+            </a:solidFill>
+          </a:ln>
+        </p:spPr>
+        <p:style>
+          <a:lnRef idx="2">
+            <a:schemeClr val="accent1">
+              <a:shade val="50000"/>
+            </a:schemeClr>
+          </a:lnRef>
+          <a:fillRef idx="1">
+            <a:schemeClr val="accent1"/>
+          </a:fillRef>
+          <a:effectRef idx="0">
+            <a:schemeClr val="accent1"/>
+          </a:effectRef>
+          <a:fontRef idx="minor">
+            <a:schemeClr val="lt1"/>
+          </a:fontRef>
+        </p:style>
+        <p:txBody>
+          <a:bodyPr rtlCol="0" anchor="ctr"/>
+          <a:lstStyle/>
+          <a:p>
+            <a:pPr algn="ctr"/>
+            <a:endParaRPr lang="ko-KR" altLang="en-US"/>
+          </a:p>
+        </p:txBody>
+      </p:sp>
+      <p:sp>
+        <p:nvSpPr>
+          <p:cNvPr id="22" name="직사각형 21"/>
+          <p:cNvSpPr/>
+          <p:nvPr/>
+        </p:nvSpPr>
+        <p:spPr>
+          <a:xfrm>
+            <a:off x="3571868" y="5000636"/>
+            <a:ext cx="1500198" cy="357190"/>
+          </a:xfrm>
+          <a:prstGeom prst="rect">
+            <a:avLst/>
+          </a:prstGeom>
+          <a:solidFill>
+            <a:schemeClr val="accent3">
+              <a:lumMod val="40000"/>
+              <a:lumOff val="60000"/>
+            </a:schemeClr>
+          </a:solidFill>
+          <a:ln>
+            <a:solidFill>
+              <a:schemeClr val="accent3">
+                <a:lumMod val="50000"/>
+              </a:schemeClr>
+            </a:solidFill>
+          </a:ln>
+        </p:spPr>
+        <p:style>
+          <a:lnRef idx="2">
+            <a:schemeClr val="accent1">
+              <a:shade val="50000"/>
+            </a:schemeClr>
+          </a:lnRef>
+          <a:fillRef idx="1">
+            <a:schemeClr val="accent1"/>
+          </a:fillRef>
+          <a:effectRef idx="0">
+            <a:schemeClr val="accent1"/>
+          </a:effectRef>
+          <a:fontRef idx="minor">
+            <a:schemeClr val="lt1"/>
+          </a:fontRef>
+        </p:style>
+        <p:txBody>
+          <a:bodyPr rtlCol="0" anchor="ctr"/>
+          <a:lstStyle/>
+          <a:p>
+            <a:pPr algn="ctr"/>
+            <a:r>
+              <a:rPr lang="ko-KR" altLang="en-US" sz="1600" b="1" dirty="0" smtClean="0">
+                <a:solidFill>
+                  <a:schemeClr val="accent5">
+                    <a:lumMod val="50000"/>
+                  </a:schemeClr>
+                </a:solidFill>
+              </a:rPr>
+              <a:t>가입하기</a:t>
+            </a:r>
+            <a:endParaRPr lang="ko-KR" altLang="en-US" sz="1600" b="1" dirty="0">
+              <a:solidFill>
+                <a:schemeClr val="accent5">
+                  <a:lumMod val="50000"/>
+                </a:schemeClr>
+              </a:solidFill>
+            </a:endParaRPr>
+          </a:p>
+        </p:txBody>
+      </p:sp>
+    </p:spTree>
+  </p:cSld>
+  <p:clrMapOvr>
+    <a:masterClrMapping/>
+  </p:clrMapOvr>
+</p:sld>
+</file>
+
+<file path=ppt/slides/slide7.xml><?xml version="1.0" encoding="utf-8"?>
+<p:sld xmlns:a="http://schemas.openxmlformats.org/drawingml/2006/main" xmlns:r="http://schemas.openxmlformats.org/officeDocument/2006/relationships" xmlns:p="http://schemas.openxmlformats.org/presentationml/2006/main">
+  <p:cSld>
+    <p:spTree>
+      <p:nvGrpSpPr>
+        <p:cNvPr id="1" name=""/>
+        <p:cNvGrpSpPr/>
+        <p:nvPr/>
+      </p:nvGrpSpPr>
+      <p:grpSpPr>
+        <a:xfrm>
+          <a:off x="0" y="0"/>
+          <a:ext cx="0" cy="0"/>
+          <a:chOff x="0" y="0"/>
+          <a:chExt cx="0" cy="0"/>
+        </a:xfrm>
+      </p:grpSpPr>
+      <p:sp>
+        <p:nvSpPr>
+          <p:cNvPr id="5" name="TextBox 4"/>
+          <p:cNvSpPr txBox="1"/>
+          <p:nvPr/>
+        </p:nvSpPr>
+        <p:spPr>
+          <a:xfrm>
+            <a:off x="2786050" y="528560"/>
+            <a:ext cx="3429024" cy="400110"/>
+          </a:xfrm>
+          <a:prstGeom prst="rect">
+            <a:avLst/>
+          </a:prstGeom>
+        </p:spPr>
+        <p:style>
+          <a:lnRef idx="1">
+            <a:schemeClr val="accent1"/>
+          </a:lnRef>
+          <a:fillRef idx="2">
+            <a:schemeClr val="accent1"/>
+          </a:fillRef>
+          <a:effectRef idx="1">
+            <a:schemeClr val="accent1"/>
+          </a:effectRef>
+          <a:fontRef idx="minor">
+            <a:schemeClr val="dk1"/>
+          </a:fontRef>
+        </p:style>
+        <p:txBody>
+          <a:bodyPr wrap="square" rtlCol="0">
+            <a:spAutoFit/>
+          </a:bodyPr>
+          <a:lstStyle/>
+          <a:p>
+            <a:pPr algn="ctr"/>
+            <a:r>
+              <a:rPr lang="en-US" altLang="ko-KR" sz="2000" b="1" dirty="0" smtClean="0">
+                <a:latin typeface="굴림체" pitchFamily="49" charset="-127"/>
+                <a:ea typeface="굴림체" pitchFamily="49" charset="-127"/>
+              </a:rPr>
+              <a:t>search</a:t>
+            </a:r>
+            <a:r>
+              <a:rPr lang="en-US" altLang="ko-KR" sz="2000" b="1" dirty="0" smtClean="0">
+                <a:latin typeface="굴림체" pitchFamily="49" charset="-127"/>
+                <a:ea typeface="굴림체" pitchFamily="49" charset="-127"/>
+              </a:rPr>
+              <a:t>.</a:t>
+            </a:r>
+            <a:r>
+              <a:rPr lang="en-US" altLang="ko-KR" sz="2000" b="1" dirty="0" smtClean="0">
+                <a:latin typeface="굴림체" pitchFamily="49" charset="-127"/>
+                <a:ea typeface="굴림체" pitchFamily="49" charset="-127"/>
+              </a:rPr>
+              <a:t>jsp</a:t>
+            </a:r>
+            <a:endParaRPr lang="ko-KR" altLang="en-US" sz="2000" b="1" dirty="0">
+              <a:latin typeface="굴림체" pitchFamily="49" charset="-127"/>
+              <a:ea typeface="굴림체" pitchFamily="49" charset="-127"/>
+            </a:endParaRPr>
+          </a:p>
+        </p:txBody>
+      </p:sp>
+      <p:sp>
+        <p:nvSpPr>
+          <p:cNvPr id="20" name="직사각형 19"/>
+          <p:cNvSpPr/>
+          <p:nvPr/>
+        </p:nvSpPr>
+        <p:spPr>
+          <a:xfrm>
+            <a:off x="3786182" y="2414564"/>
+            <a:ext cx="1071570" cy="357190"/>
+          </a:xfrm>
+          <a:prstGeom prst="rect">
+            <a:avLst/>
+          </a:prstGeom>
+          <a:solidFill>
+            <a:schemeClr val="accent3">
+              <a:lumMod val="40000"/>
+              <a:lumOff val="60000"/>
+            </a:schemeClr>
+          </a:solidFill>
+          <a:ln>
+            <a:solidFill>
+              <a:schemeClr val="accent3">
+                <a:lumMod val="50000"/>
+              </a:schemeClr>
+            </a:solidFill>
+          </a:ln>
+        </p:spPr>
+        <p:style>
+          <a:lnRef idx="2">
+            <a:schemeClr val="accent1">
+              <a:shade val="50000"/>
+            </a:schemeClr>
+          </a:lnRef>
+          <a:fillRef idx="1">
+            <a:schemeClr val="accent1"/>
+          </a:fillRef>
+          <a:effectRef idx="0">
+            <a:schemeClr val="accent1"/>
+          </a:effectRef>
+          <a:fontRef idx="minor">
+            <a:schemeClr val="lt1"/>
+          </a:fontRef>
+        </p:style>
+        <p:txBody>
+          <a:bodyPr rtlCol="0" anchor="ctr"/>
+          <a:lstStyle/>
+          <a:p>
+            <a:pPr algn="ctr"/>
+            <a:r>
+              <a:rPr lang="ko-KR" altLang="en-US" sz="1400" b="1" dirty="0" smtClean="0">
+                <a:solidFill>
+                  <a:schemeClr val="accent5">
+                    <a:lumMod val="50000"/>
+                  </a:schemeClr>
+                </a:solidFill>
+              </a:rPr>
+              <a:t>검색</a:t>
+            </a:r>
+            <a:endParaRPr lang="ko-KR" altLang="en-US" sz="1400" b="1" dirty="0">
+              <a:solidFill>
+                <a:schemeClr val="accent5">
+                  <a:lumMod val="50000"/>
+                </a:schemeClr>
+              </a:solidFill>
+            </a:endParaRPr>
+          </a:p>
+        </p:txBody>
+      </p:sp>
+      <p:pic>
+        <p:nvPicPr>
+          <p:cNvPr id="21" name="그림 20" descr="search.png"/>
+          <p:cNvPicPr>
+            <a:picLocks noChangeAspect="1"/>
+          </p:cNvPicPr>
+          <p:nvPr/>
+        </p:nvPicPr>
+        <p:blipFill>
+          <a:blip r:embed="rId2"/>
+          <a:stretch>
+            <a:fillRect/>
+          </a:stretch>
+        </p:blipFill>
+        <p:spPr>
+          <a:xfrm>
+            <a:off x="928662" y="1200117"/>
+            <a:ext cx="7530712" cy="1081833"/>
+          </a:xfrm>
+          <a:prstGeom prst="rect">
+            <a:avLst/>
+          </a:prstGeom>
+        </p:spPr>
+      </p:pic>
+      <p:sp>
+        <p:nvSpPr>
+          <p:cNvPr id="22" name="TextBox 21"/>
+          <p:cNvSpPr txBox="1"/>
+          <p:nvPr/>
+        </p:nvSpPr>
+        <p:spPr>
+          <a:xfrm>
+            <a:off x="1000100" y="1969418"/>
+            <a:ext cx="714380" cy="230832"/>
+          </a:xfrm>
+          <a:prstGeom prst="rect">
+            <a:avLst/>
+          </a:prstGeom>
+          <a:solidFill>
+            <a:schemeClr val="bg1"/>
+          </a:solidFill>
+        </p:spPr>
+        <p:txBody>
+          <a:bodyPr wrap="square" rtlCol="0">
+            <a:spAutoFit/>
+          </a:bodyPr>
+          <a:lstStyle/>
+          <a:p>
+            <a:r>
+              <a:rPr lang="ko-KR" altLang="en-US" sz="900" dirty="0" smtClean="0"/>
+              <a:t>주제어</a:t>
+            </a:r>
+            <a:endParaRPr lang="en-US" altLang="ko-KR" sz="900" dirty="0" smtClean="0"/>
+          </a:p>
+        </p:txBody>
+      </p:sp>
+      <p:sp>
+        <p:nvSpPr>
+          <p:cNvPr id="23" name="TextBox 22"/>
+          <p:cNvSpPr txBox="1"/>
+          <p:nvPr/>
+        </p:nvSpPr>
+        <p:spPr>
+          <a:xfrm>
+            <a:off x="7429520" y="1951825"/>
+            <a:ext cx="1143008" cy="276999"/>
+          </a:xfrm>
+          <a:prstGeom prst="rect">
+            <a:avLst/>
+          </a:prstGeom>
+          <a:solidFill>
+            <a:schemeClr val="bg1"/>
+          </a:solidFill>
+        </p:spPr>
+        <p:txBody>
+          <a:bodyPr wrap="square" rtlCol="0">
+            <a:spAutoFit/>
+          </a:bodyPr>
+          <a:lstStyle/>
+          <a:p>
+            <a:endParaRPr lang="ko-KR" altLang="en-US" sz="1200" dirty="0"/>
+          </a:p>
+        </p:txBody>
+      </p:sp>
+      <p:sp>
+        <p:nvSpPr>
+          <p:cNvPr id="24" name="TextBox 23"/>
+          <p:cNvSpPr txBox="1"/>
+          <p:nvPr/>
+        </p:nvSpPr>
+        <p:spPr>
+          <a:xfrm>
+            <a:off x="2786050" y="3100328"/>
+            <a:ext cx="3429024" cy="400110"/>
+          </a:xfrm>
+          <a:prstGeom prst="rect">
+            <a:avLst/>
+          </a:prstGeom>
+        </p:spPr>
+        <p:style>
+          <a:lnRef idx="1">
+            <a:schemeClr val="accent1"/>
+          </a:lnRef>
+          <a:fillRef idx="2">
+            <a:schemeClr val="accent1"/>
+          </a:fillRef>
+          <a:effectRef idx="1">
+            <a:schemeClr val="accent1"/>
+          </a:effectRef>
+          <a:fontRef idx="minor">
+            <a:schemeClr val="dk1"/>
+          </a:fontRef>
+        </p:style>
+        <p:txBody>
+          <a:bodyPr wrap="square" rtlCol="0">
+            <a:spAutoFit/>
+          </a:bodyPr>
+          <a:lstStyle/>
+          <a:p>
+            <a:pPr algn="ctr"/>
+            <a:r>
+              <a:rPr lang="en-US" altLang="ko-KR" sz="2000" b="1" dirty="0" smtClean="0">
+                <a:latin typeface="굴림체" pitchFamily="49" charset="-127"/>
+                <a:ea typeface="굴림체" pitchFamily="49" charset="-127"/>
+              </a:rPr>
+              <a:t>Search_result</a:t>
+            </a:r>
+            <a:r>
+              <a:rPr lang="en-US" altLang="ko-KR" sz="2000" b="1" dirty="0" smtClean="0">
+                <a:latin typeface="굴림체" pitchFamily="49" charset="-127"/>
+                <a:ea typeface="굴림체" pitchFamily="49" charset="-127"/>
+              </a:rPr>
+              <a:t>.</a:t>
+            </a:r>
+            <a:r>
+              <a:rPr lang="en-US" altLang="ko-KR" sz="2000" b="1" dirty="0" smtClean="0">
+                <a:latin typeface="굴림체" pitchFamily="49" charset="-127"/>
+                <a:ea typeface="굴림체" pitchFamily="49" charset="-127"/>
+              </a:rPr>
+              <a:t>jsp</a:t>
+            </a:r>
+            <a:endParaRPr lang="ko-KR" altLang="en-US" sz="2000" b="1" dirty="0">
+              <a:latin typeface="굴림체" pitchFamily="49" charset="-127"/>
+              <a:ea typeface="굴림체" pitchFamily="49" charset="-127"/>
+            </a:endParaRPr>
+          </a:p>
+        </p:txBody>
+      </p:sp>
+      <p:graphicFrame>
+        <p:nvGraphicFramePr>
+          <p:cNvPr id="25" name="표 24"/>
+          <p:cNvGraphicFramePr>
+            <a:graphicFrameLocks noGrp="1"/>
+          </p:cNvGraphicFramePr>
+          <p:nvPr/>
+        </p:nvGraphicFramePr>
+        <p:xfrm>
+          <a:off x="642909" y="3786192"/>
+          <a:ext cx="7786750" cy="2296476"/>
+        </p:xfrm>
+        <a:graphic>
+          <a:graphicData uri="http://schemas.openxmlformats.org/drawingml/2006/table">
+            <a:tbl>
+              <a:tblPr firstRow="1" bandRow="1">
+                <a:tableStyleId>{5C22544A-7EE6-4342-B048-85BDC9FD1C3A}</a:tableStyleId>
+              </a:tblPr>
+              <a:tblGrid>
+                <a:gridCol w="714381"/>
+                <a:gridCol w="2357454"/>
+                <a:gridCol w="1428761"/>
+                <a:gridCol w="2143140"/>
+                <a:gridCol w="1143014"/>
+              </a:tblGrid>
+              <a:tr h="382746">
+                <a:tc>
+                  <a:txBody>
+                    <a:bodyPr/>
+                    <a:lstStyle/>
+                    <a:p>
+                      <a:pPr algn="ctr" latinLnBrk="1"/>
+                      <a:r>
+                        <a:rPr lang="ko-KR" altLang="en-US" dirty="0" smtClean="0"/>
+                        <a:t>번호</a:t>
+                      </a:r>
+                      <a:endParaRPr lang="en-US" altLang="ko-KR" dirty="0" smtClean="0"/>
+                    </a:p>
+                  </a:txBody>
+                  <a:tcPr/>
+                </a:tc>
+                <a:tc>
+                  <a:txBody>
+                    <a:bodyPr/>
+                    <a:lstStyle/>
+                    <a:p>
+                      <a:pPr algn="ctr" latinLnBrk="1"/>
+                      <a:r>
+                        <a:rPr lang="ko-KR" altLang="en-US" dirty="0" smtClean="0"/>
+                        <a:t>서명</a:t>
+                      </a:r>
+                      <a:endParaRPr lang="ko-KR" altLang="en-US" dirty="0"/>
+                    </a:p>
+                  </a:txBody>
+                  <a:tcPr/>
+                </a:tc>
+                <a:tc>
+                  <a:txBody>
+                    <a:bodyPr/>
+                    <a:lstStyle/>
+                    <a:p>
+                      <a:pPr algn="ctr" latinLnBrk="1"/>
+                      <a:r>
+                        <a:rPr lang="ko-KR" altLang="en-US" dirty="0" smtClean="0"/>
+                        <a:t>저자</a:t>
+                      </a:r>
+                      <a:endParaRPr lang="ko-KR" altLang="en-US" dirty="0"/>
+                    </a:p>
+                  </a:txBody>
+                  <a:tcPr/>
+                </a:tc>
+                <a:tc>
+                  <a:txBody>
+                    <a:bodyPr/>
+                    <a:lstStyle/>
+                    <a:p>
+                      <a:pPr algn="ctr" latinLnBrk="1"/>
+                      <a:r>
+                        <a:rPr lang="ko-KR" altLang="en-US" dirty="0" smtClean="0"/>
+                        <a:t>출판사</a:t>
+                      </a:r>
+                      <a:endParaRPr lang="ko-KR" altLang="en-US" dirty="0"/>
+                    </a:p>
+                  </a:txBody>
+                  <a:tcPr/>
+                </a:tc>
+                <a:tc>
+                  <a:txBody>
+                    <a:bodyPr/>
+                    <a:lstStyle/>
+                    <a:p>
+                      <a:pPr algn="ctr" latinLnBrk="1"/>
+                      <a:r>
+                        <a:rPr lang="ko-KR" altLang="en-US" dirty="0" err="1" smtClean="0"/>
+                        <a:t>출판년도</a:t>
+                      </a:r>
+                      <a:endParaRPr lang="ko-KR" altLang="en-US" dirty="0"/>
+                    </a:p>
+                  </a:txBody>
+                  <a:tcPr/>
+                </a:tc>
+              </a:tr>
+              <a:tr h="382746">
+                <a:tc>
+                  <a:txBody>
+                    <a:bodyPr/>
+                    <a:lstStyle/>
+                    <a:p>
+                      <a:pPr latinLnBrk="1"/>
+                      <a:endParaRPr lang="ko-KR" altLang="en-US" dirty="0"/>
+                    </a:p>
+                  </a:txBody>
+                  <a:tcPr/>
+                </a:tc>
+                <a:tc>
+                  <a:txBody>
+                    <a:bodyPr/>
+                    <a:lstStyle/>
+                    <a:p>
+                      <a:pPr latinLnBrk="1"/>
+                      <a:endParaRPr lang="ko-KR" altLang="en-US" dirty="0"/>
+                    </a:p>
+                  </a:txBody>
+                  <a:tcPr/>
+                </a:tc>
+                <a:tc>
+                  <a:txBody>
+                    <a:bodyPr/>
+                    <a:lstStyle/>
+                    <a:p>
+                      <a:pPr latinLnBrk="1"/>
+                      <a:endParaRPr lang="ko-KR" altLang="en-US" dirty="0"/>
+                    </a:p>
+                  </a:txBody>
+                  <a:tcPr/>
+                </a:tc>
+                <a:tc>
+                  <a:txBody>
+                    <a:bodyPr/>
+                    <a:lstStyle/>
+                    <a:p>
+                      <a:pPr latinLnBrk="1"/>
+                      <a:endParaRPr lang="ko-KR" altLang="en-US" dirty="0"/>
+                    </a:p>
+                  </a:txBody>
+                  <a:tcPr/>
+                </a:tc>
+                <a:tc>
+                  <a:txBody>
+                    <a:bodyPr/>
+                    <a:lstStyle/>
+                    <a:p>
+                      <a:pPr latinLnBrk="1"/>
+                      <a:endParaRPr lang="ko-KR" altLang="en-US"/>
+                    </a:p>
+                  </a:txBody>
+                  <a:tcPr/>
+                </a:tc>
+              </a:tr>
+              <a:tr h="382746">
+                <a:tc>
+                  <a:txBody>
+                    <a:bodyPr/>
+                    <a:lstStyle/>
+                    <a:p>
+                      <a:pPr latinLnBrk="1"/>
+                      <a:endParaRPr lang="ko-KR" altLang="en-US" dirty="0"/>
+                    </a:p>
+                  </a:txBody>
+                  <a:tcPr/>
+                </a:tc>
+                <a:tc>
+                  <a:txBody>
+                    <a:bodyPr/>
+                    <a:lstStyle/>
+                    <a:p>
+                      <a:pPr latinLnBrk="1"/>
+                      <a:endParaRPr lang="ko-KR" altLang="en-US"/>
+                    </a:p>
+                  </a:txBody>
+                  <a:tcPr/>
+                </a:tc>
+                <a:tc>
+                  <a:txBody>
+                    <a:bodyPr/>
+                    <a:lstStyle/>
+                    <a:p>
+                      <a:pPr latinLnBrk="1"/>
+                      <a:endParaRPr lang="ko-KR" altLang="en-US"/>
+                    </a:p>
+                  </a:txBody>
+                  <a:tcPr/>
+                </a:tc>
+                <a:tc>
+                  <a:txBody>
+                    <a:bodyPr/>
+                    <a:lstStyle/>
+                    <a:p>
+                      <a:pPr latinLnBrk="1"/>
+                      <a:endParaRPr lang="ko-KR" altLang="en-US"/>
+                    </a:p>
+                  </a:txBody>
+                  <a:tcPr/>
+                </a:tc>
+                <a:tc>
+                  <a:txBody>
+                    <a:bodyPr/>
+                    <a:lstStyle/>
+                    <a:p>
+                      <a:pPr latinLnBrk="1"/>
+                      <a:endParaRPr lang="ko-KR" altLang="en-US"/>
+                    </a:p>
+                  </a:txBody>
+                  <a:tcPr/>
+                </a:tc>
+              </a:tr>
+              <a:tr h="382746">
+                <a:tc>
+                  <a:txBody>
+                    <a:bodyPr/>
+                    <a:lstStyle/>
+                    <a:p>
+                      <a:pPr latinLnBrk="1"/>
+                      <a:endParaRPr lang="ko-KR" altLang="en-US"/>
+                    </a:p>
+                  </a:txBody>
+                  <a:tcPr/>
+                </a:tc>
+                <a:tc>
+                  <a:txBody>
+                    <a:bodyPr/>
+                    <a:lstStyle/>
+                    <a:p>
+                      <a:pPr latinLnBrk="1"/>
+                      <a:endParaRPr lang="ko-KR" altLang="en-US"/>
+                    </a:p>
+                  </a:txBody>
+                  <a:tcPr/>
+                </a:tc>
+                <a:tc>
+                  <a:txBody>
+                    <a:bodyPr/>
+                    <a:lstStyle/>
+                    <a:p>
+                      <a:pPr latinLnBrk="1"/>
+                      <a:endParaRPr lang="ko-KR" altLang="en-US"/>
+                    </a:p>
+                  </a:txBody>
+                  <a:tcPr/>
+                </a:tc>
+                <a:tc>
+                  <a:txBody>
+                    <a:bodyPr/>
+                    <a:lstStyle/>
+                    <a:p>
+                      <a:pPr latinLnBrk="1"/>
+                      <a:endParaRPr lang="ko-KR" altLang="en-US"/>
+                    </a:p>
+                  </a:txBody>
+                  <a:tcPr/>
+                </a:tc>
+                <a:tc>
+                  <a:txBody>
+                    <a:bodyPr/>
+                    <a:lstStyle/>
+                    <a:p>
+                      <a:pPr latinLnBrk="1"/>
+                      <a:endParaRPr lang="ko-KR" altLang="en-US"/>
+                    </a:p>
+                  </a:txBody>
+                  <a:tcPr/>
+                </a:tc>
+              </a:tr>
+              <a:tr h="382746">
+                <a:tc>
+                  <a:txBody>
+                    <a:bodyPr/>
+                    <a:lstStyle/>
+                    <a:p>
+                      <a:pPr latinLnBrk="1"/>
+                      <a:endParaRPr lang="ko-KR" altLang="en-US"/>
+                    </a:p>
+                  </a:txBody>
+                  <a:tcPr/>
+                </a:tc>
+                <a:tc>
+                  <a:txBody>
+                    <a:bodyPr/>
+                    <a:lstStyle/>
+                    <a:p>
+                      <a:pPr latinLnBrk="1"/>
+                      <a:endParaRPr lang="ko-KR" altLang="en-US"/>
+                    </a:p>
+                  </a:txBody>
+                  <a:tcPr/>
+                </a:tc>
+                <a:tc>
+                  <a:txBody>
+                    <a:bodyPr/>
+                    <a:lstStyle/>
+                    <a:p>
+                      <a:pPr latinLnBrk="1"/>
+                      <a:endParaRPr lang="ko-KR" altLang="en-US"/>
+                    </a:p>
+                  </a:txBody>
+                  <a:tcPr/>
+                </a:tc>
+                <a:tc>
+                  <a:txBody>
+                    <a:bodyPr/>
+                    <a:lstStyle/>
+                    <a:p>
+                      <a:pPr latinLnBrk="1"/>
+                      <a:endParaRPr lang="ko-KR" altLang="en-US"/>
+                    </a:p>
+                  </a:txBody>
+                  <a:tcPr/>
+                </a:tc>
+                <a:tc>
+                  <a:txBody>
+                    <a:bodyPr/>
+                    <a:lstStyle/>
+                    <a:p>
+                      <a:pPr latinLnBrk="1"/>
+                      <a:endParaRPr lang="ko-KR" altLang="en-US"/>
+                    </a:p>
+                  </a:txBody>
+                  <a:tcPr/>
+                </a:tc>
+              </a:tr>
+              <a:tr h="382746">
+                <a:tc>
+                  <a:txBody>
+                    <a:bodyPr/>
+                    <a:lstStyle/>
+                    <a:p>
+                      <a:pPr latinLnBrk="1"/>
+                      <a:endParaRPr lang="ko-KR" altLang="en-US"/>
+                    </a:p>
+                  </a:txBody>
+                  <a:tcPr/>
+                </a:tc>
+                <a:tc>
+                  <a:txBody>
+                    <a:bodyPr/>
+                    <a:lstStyle/>
+                    <a:p>
+                      <a:pPr latinLnBrk="1"/>
+                      <a:endParaRPr lang="ko-KR" altLang="en-US"/>
+                    </a:p>
+                  </a:txBody>
+                  <a:tcPr/>
+                </a:tc>
+                <a:tc>
+                  <a:txBody>
+                    <a:bodyPr/>
+                    <a:lstStyle/>
+                    <a:p>
+                      <a:pPr latinLnBrk="1"/>
+                      <a:endParaRPr lang="ko-KR" altLang="en-US"/>
+                    </a:p>
+                  </a:txBody>
+                  <a:tcPr/>
+                </a:tc>
+                <a:tc>
+                  <a:txBody>
+                    <a:bodyPr/>
+                    <a:lstStyle/>
+                    <a:p>
+                      <a:pPr latinLnBrk="1"/>
+                      <a:endParaRPr lang="ko-KR" altLang="en-US"/>
+                    </a:p>
+                  </a:txBody>
+                  <a:tcPr/>
+                </a:tc>
+                <a:tc>
+                  <a:txBody>
+                    <a:bodyPr/>
+                    <a:lstStyle/>
+                    <a:p>
+                      <a:pPr latinLnBrk="1"/>
+                      <a:endParaRPr lang="ko-KR" altLang="en-US" dirty="0"/>
+                    </a:p>
+                  </a:txBody>
+                  <a:tcPr/>
+                </a:tc>
+              </a:tr>
+            </a:tbl>
+          </a:graphicData>
+        </a:graphic>
+      </p:graphicFrame>
+    </p:spTree>
+  </p:cSld>
+  <p:clrMapOvr>
+    <a:masterClrMapping/>
+  </p:clrMapOvr>
+</p:sld>
+</file>
+
+<file path=ppt/slides/slide8.xml><?xml version="1.0" encoding="utf-8"?>
+<p:sld xmlns:a="http://schemas.openxmlformats.org/drawingml/2006/main" xmlns:r="http://schemas.openxmlformats.org/officeDocument/2006/relationships" xmlns:p="http://schemas.openxmlformats.org/presentationml/2006/main">
+  <p:cSld>
+    <p:spTree>
+      <p:nvGrpSpPr>
+        <p:cNvPr id="1" name=""/>
+        <p:cNvGrpSpPr/>
+        <p:nvPr/>
+      </p:nvGrpSpPr>
+      <p:grpSpPr>
+        <a:xfrm>
+          <a:off x="0" y="0"/>
+          <a:ext cx="0" cy="0"/>
+          <a:chOff x="0" y="0"/>
+          <a:chExt cx="0" cy="0"/>
+        </a:xfrm>
+      </p:grpSpPr>
+      <p:sp>
+        <p:nvSpPr>
+          <p:cNvPr id="23" name="TextBox 22"/>
+          <p:cNvSpPr txBox="1"/>
+          <p:nvPr/>
+        </p:nvSpPr>
+        <p:spPr>
+          <a:xfrm>
+            <a:off x="7429520" y="1951825"/>
+            <a:ext cx="1143008" cy="276999"/>
+          </a:xfrm>
+          <a:prstGeom prst="rect">
+            <a:avLst/>
+          </a:prstGeom>
+          <a:solidFill>
+            <a:schemeClr val="bg1"/>
+          </a:solidFill>
+        </p:spPr>
+        <p:txBody>
+          <a:bodyPr wrap="square" rtlCol="0">
+            <a:spAutoFit/>
+          </a:bodyPr>
+          <a:lstStyle/>
+          <a:p>
+            <a:endParaRPr lang="ko-KR" altLang="en-US" sz="1200" dirty="0"/>
+          </a:p>
+        </p:txBody>
+      </p:sp>
+      <p:sp>
+        <p:nvSpPr>
+          <p:cNvPr id="24" name="TextBox 23"/>
+          <p:cNvSpPr txBox="1"/>
+          <p:nvPr/>
+        </p:nvSpPr>
+        <p:spPr>
+          <a:xfrm>
+            <a:off x="2857488" y="642918"/>
+            <a:ext cx="3429024" cy="400110"/>
+          </a:xfrm>
+          <a:prstGeom prst="rect">
+            <a:avLst/>
+          </a:prstGeom>
+        </p:spPr>
+        <p:style>
+          <a:lnRef idx="1">
+            <a:schemeClr val="accent1"/>
+          </a:lnRef>
+          <a:fillRef idx="2">
+            <a:schemeClr val="accent1"/>
+          </a:fillRef>
+          <a:effectRef idx="1">
+            <a:schemeClr val="accent1"/>
+          </a:effectRef>
+          <a:fontRef idx="minor">
+            <a:schemeClr val="dk1"/>
+          </a:fontRef>
+        </p:style>
+        <p:txBody>
+          <a:bodyPr wrap="square" rtlCol="0">
+            <a:spAutoFit/>
+          </a:bodyPr>
+          <a:lstStyle/>
+          <a:p>
+            <a:pPr algn="ctr"/>
+            <a:r>
+              <a:rPr lang="en-US" altLang="ko-KR" sz="2000" b="1" dirty="0" smtClean="0">
+                <a:latin typeface="굴림체" pitchFamily="49" charset="-127"/>
+                <a:ea typeface="굴림체" pitchFamily="49" charset="-127"/>
+              </a:rPr>
+              <a:t>Search_detail</a:t>
+            </a:r>
+            <a:r>
+              <a:rPr lang="en-US" altLang="ko-KR" sz="2000" b="1" dirty="0" smtClean="0">
+                <a:latin typeface="굴림체" pitchFamily="49" charset="-127"/>
+                <a:ea typeface="굴림체" pitchFamily="49" charset="-127"/>
+              </a:rPr>
+              <a:t>.</a:t>
+            </a:r>
+            <a:r>
+              <a:rPr lang="en-US" altLang="ko-KR" sz="2000" b="1" dirty="0" smtClean="0">
+                <a:latin typeface="굴림체" pitchFamily="49" charset="-127"/>
+                <a:ea typeface="굴림체" pitchFamily="49" charset="-127"/>
+              </a:rPr>
+              <a:t>jsp</a:t>
+            </a:r>
+            <a:endParaRPr lang="ko-KR" altLang="en-US" sz="2000" b="1" dirty="0">
+              <a:latin typeface="굴림체" pitchFamily="49" charset="-127"/>
+              <a:ea typeface="굴림체" pitchFamily="49" charset="-127"/>
+            </a:endParaRPr>
+          </a:p>
+        </p:txBody>
+      </p:sp>
+      <p:sp>
+        <p:nvSpPr>
+          <p:cNvPr id="10" name="TextBox 9"/>
+          <p:cNvSpPr txBox="1"/>
+          <p:nvPr/>
+        </p:nvSpPr>
+        <p:spPr>
+          <a:xfrm>
+            <a:off x="1428728" y="2071678"/>
+            <a:ext cx="2214578" cy="3139321"/>
+          </a:xfrm>
+          <a:prstGeom prst="rect">
+            <a:avLst/>
+          </a:prstGeom>
+          <a:noFill/>
+          <a:ln>
+            <a:solidFill>
+              <a:schemeClr val="tx2"/>
+            </a:solidFill>
+          </a:ln>
+        </p:spPr>
+        <p:txBody>
+          <a:bodyPr wrap="square" rtlCol="0">
+            <a:spAutoFit/>
+          </a:bodyPr>
+          <a:lstStyle/>
+          <a:p>
+            <a:pPr algn="ctr"/>
+            <a:endParaRPr lang="en-US" altLang="ko-KR" dirty="0" smtClean="0"/>
+          </a:p>
+          <a:p>
+            <a:pPr algn="ctr"/>
+            <a:endParaRPr lang="en-US" altLang="ko-KR" dirty="0" smtClean="0"/>
+          </a:p>
+          <a:p>
+            <a:pPr algn="ctr"/>
+            <a:endParaRPr lang="en-US" altLang="ko-KR" dirty="0" smtClean="0"/>
+          </a:p>
+          <a:p>
+            <a:pPr algn="ctr"/>
+            <a:endParaRPr lang="en-US" altLang="ko-KR" dirty="0" smtClean="0"/>
+          </a:p>
+          <a:p>
+            <a:pPr algn="ctr"/>
+            <a:endParaRPr lang="en-US" altLang="ko-KR" dirty="0" smtClean="0"/>
+          </a:p>
+          <a:p>
+            <a:pPr algn="ctr"/>
+            <a:r>
+              <a:rPr lang="ko-KR" altLang="en-US" dirty="0" err="1" smtClean="0"/>
+              <a:t>책이미지</a:t>
+            </a:r>
+            <a:endParaRPr lang="en-US" altLang="ko-KR" dirty="0" smtClean="0"/>
+          </a:p>
+          <a:p>
+            <a:pPr algn="ctr"/>
+            <a:endParaRPr lang="en-US" altLang="ko-KR" dirty="0" smtClean="0"/>
+          </a:p>
+          <a:p>
+            <a:pPr algn="ctr"/>
+            <a:endParaRPr lang="en-US" altLang="ko-KR" dirty="0" smtClean="0"/>
+          </a:p>
+          <a:p>
+            <a:pPr algn="ctr"/>
+            <a:endParaRPr lang="en-US" altLang="ko-KR" dirty="0" smtClean="0"/>
+          </a:p>
+          <a:p>
+            <a:pPr algn="ctr"/>
+            <a:endParaRPr lang="en-US" altLang="ko-KR" dirty="0" smtClean="0"/>
+          </a:p>
+          <a:p>
+            <a:pPr algn="ctr"/>
+            <a:endParaRPr lang="ko-KR" altLang="en-US" dirty="0"/>
+          </a:p>
+        </p:txBody>
+      </p:sp>
+      <p:graphicFrame>
+        <p:nvGraphicFramePr>
+          <p:cNvPr id="11" name="표 10"/>
+          <p:cNvGraphicFramePr>
+            <a:graphicFrameLocks noGrp="1"/>
+          </p:cNvGraphicFramePr>
+          <p:nvPr/>
+        </p:nvGraphicFramePr>
+        <p:xfrm>
+          <a:off x="4071934" y="2143116"/>
+          <a:ext cx="3643338" cy="2764905"/>
+        </p:xfrm>
+        <a:graphic>
+          <a:graphicData uri="http://schemas.openxmlformats.org/drawingml/2006/table">
+            <a:tbl>
+              <a:tblPr firstRow="1" bandRow="1">
+                <a:tableStyleId>{2D5ABB26-0587-4C30-8999-92F81FD0307C}</a:tableStyleId>
+              </a:tblPr>
+              <a:tblGrid>
+                <a:gridCol w="1821669"/>
+                <a:gridCol w="1821669"/>
+              </a:tblGrid>
+              <a:tr h="552981">
+                <a:tc>
+                  <a:txBody>
+                    <a:bodyPr/>
+                    <a:lstStyle/>
+                    <a:p>
+                      <a:pPr algn="ctr" latinLnBrk="1"/>
+                      <a:r>
+                        <a:rPr lang="ko-KR" altLang="en-US" dirty="0" smtClean="0"/>
+                        <a:t>서     명</a:t>
+                      </a:r>
+                      <a:endParaRPr lang="ko-KR" altLang="en-US" dirty="0"/>
+                    </a:p>
+                  </a:txBody>
+                  <a:tcPr anchor="ctr"/>
+                </a:tc>
+                <a:tc>
+                  <a:txBody>
+                    <a:bodyPr/>
+                    <a:lstStyle/>
+                    <a:p>
+                      <a:pPr latinLnBrk="1"/>
+                      <a:endParaRPr lang="ko-KR" altLang="en-US"/>
+                    </a:p>
+                  </a:txBody>
+                  <a:tcPr anchor="ctr"/>
+                </a:tc>
+              </a:tr>
+              <a:tr h="552981">
+                <a:tc>
+                  <a:txBody>
+                    <a:bodyPr/>
+                    <a:lstStyle/>
+                    <a:p>
+                      <a:pPr algn="ctr" latinLnBrk="1"/>
+                      <a:r>
+                        <a:rPr lang="ko-KR" altLang="en-US" dirty="0" smtClean="0"/>
+                        <a:t>저     자</a:t>
+                      </a:r>
+                      <a:endParaRPr lang="ko-KR" altLang="en-US" dirty="0"/>
+                    </a:p>
+                  </a:txBody>
+                  <a:tcPr anchor="ctr"/>
+                </a:tc>
+                <a:tc>
+                  <a:txBody>
+                    <a:bodyPr/>
+                    <a:lstStyle/>
+                    <a:p>
+                      <a:pPr latinLnBrk="1"/>
+                      <a:endParaRPr lang="ko-KR" altLang="en-US"/>
+                    </a:p>
+                  </a:txBody>
+                  <a:tcPr anchor="ctr"/>
+                </a:tc>
+              </a:tr>
+              <a:tr h="552981">
+                <a:tc>
+                  <a:txBody>
+                    <a:bodyPr/>
+                    <a:lstStyle/>
+                    <a:p>
+                      <a:pPr algn="ctr" latinLnBrk="1"/>
+                      <a:r>
+                        <a:rPr lang="ko-KR" altLang="en-US" dirty="0" smtClean="0"/>
+                        <a:t>출 판 사</a:t>
+                      </a:r>
+                      <a:endParaRPr lang="ko-KR" altLang="en-US" dirty="0"/>
+                    </a:p>
+                  </a:txBody>
+                  <a:tcPr anchor="ctr"/>
+                </a:tc>
+                <a:tc>
+                  <a:txBody>
+                    <a:bodyPr/>
+                    <a:lstStyle/>
+                    <a:p>
+                      <a:pPr latinLnBrk="1"/>
+                      <a:endParaRPr lang="ko-KR" altLang="en-US"/>
+                    </a:p>
+                  </a:txBody>
+                  <a:tcPr anchor="ctr"/>
+                </a:tc>
+              </a:tr>
+              <a:tr h="552981">
+                <a:tc>
+                  <a:txBody>
+                    <a:bodyPr/>
+                    <a:lstStyle/>
+                    <a:p>
+                      <a:pPr algn="ctr" latinLnBrk="1"/>
+                      <a:r>
+                        <a:rPr lang="ko-KR" altLang="en-US" dirty="0" err="1" smtClean="0"/>
+                        <a:t>출판년도</a:t>
+                      </a:r>
+                      <a:endParaRPr lang="ko-KR" altLang="en-US" dirty="0"/>
+                    </a:p>
+                  </a:txBody>
+                  <a:tcPr anchor="ctr"/>
+                </a:tc>
+                <a:tc>
+                  <a:txBody>
+                    <a:bodyPr/>
+                    <a:lstStyle/>
+                    <a:p>
+                      <a:pPr latinLnBrk="1"/>
+                      <a:endParaRPr lang="ko-KR" altLang="en-US"/>
+                    </a:p>
+                  </a:txBody>
+                  <a:tcPr anchor="ctr"/>
+                </a:tc>
+              </a:tr>
+              <a:tr h="552981">
+                <a:tc>
+                  <a:txBody>
+                    <a:bodyPr/>
+                    <a:lstStyle/>
+                    <a:p>
+                      <a:pPr algn="ctr" latinLnBrk="1"/>
+                      <a:r>
+                        <a:rPr lang="ko-KR" altLang="en-US" dirty="0" smtClean="0"/>
+                        <a:t>대출여부</a:t>
+                      </a:r>
+                      <a:endParaRPr lang="ko-KR" altLang="en-US" dirty="0"/>
+                    </a:p>
+                  </a:txBody>
+                  <a:tcPr anchor="ctr"/>
+                </a:tc>
+                <a:tc>
+                  <a:txBody>
+                    <a:bodyPr/>
+                    <a:lstStyle/>
+                    <a:p>
+                      <a:pPr latinLnBrk="1"/>
+                      <a:endParaRPr lang="ko-KR" altLang="en-US" dirty="0"/>
+                    </a:p>
+                  </a:txBody>
+                  <a:tcPr anchor="ctr"/>
                 </a:tc>
               </a:tr>
             </a:tbl>
